--- a/Week1-4/Presentation.pptx
+++ b/Week1-4/Presentation.pptx
@@ -8,9 +8,12 @@
     <p:sldId id="256" r:id="rId2"/>
     <p:sldId id="257" r:id="rId3"/>
     <p:sldId id="258" r:id="rId4"/>
-    <p:sldId id="259" r:id="rId5"/>
-    <p:sldId id="260" r:id="rId6"/>
-    <p:sldId id="261" r:id="rId7"/>
+    <p:sldId id="262" r:id="rId5"/>
+    <p:sldId id="263" r:id="rId6"/>
+    <p:sldId id="259" r:id="rId7"/>
+    <p:sldId id="264" r:id="rId8"/>
+    <p:sldId id="260" r:id="rId9"/>
+    <p:sldId id="261" r:id="rId10"/>
   </p:sldIdLst>
   <p:sldSz cx="12192000" cy="6858000"/>
   <p:notesSz cx="6858000" cy="9144000"/>
@@ -264,7 +267,7 @@
           <a:p>
             <a:fld id="{26AD669A-30C1-E04D-B0FD-F1B57761776A}" type="datetimeFigureOut">
               <a:rPr lang="en-US" smtClean="0"/>
-              <a:t>12/30/23</a:t>
+              <a:t>1/21/24</a:t>
             </a:fld>
             <a:endParaRPr lang="en-US"/>
           </a:p>
@@ -462,7 +465,7 @@
           <a:p>
             <a:fld id="{26AD669A-30C1-E04D-B0FD-F1B57761776A}" type="datetimeFigureOut">
               <a:rPr lang="en-US" smtClean="0"/>
-              <a:t>12/30/23</a:t>
+              <a:t>1/21/24</a:t>
             </a:fld>
             <a:endParaRPr lang="en-US"/>
           </a:p>
@@ -670,7 +673,7 @@
           <a:p>
             <a:fld id="{26AD669A-30C1-E04D-B0FD-F1B57761776A}" type="datetimeFigureOut">
               <a:rPr lang="en-US" smtClean="0"/>
-              <a:t>12/30/23</a:t>
+              <a:t>1/21/24</a:t>
             </a:fld>
             <a:endParaRPr lang="en-US"/>
           </a:p>
@@ -868,7 +871,7 @@
           <a:p>
             <a:fld id="{26AD669A-30C1-E04D-B0FD-F1B57761776A}" type="datetimeFigureOut">
               <a:rPr lang="en-US" smtClean="0"/>
-              <a:t>12/30/23</a:t>
+              <a:t>1/21/24</a:t>
             </a:fld>
             <a:endParaRPr lang="en-US"/>
           </a:p>
@@ -1143,7 +1146,7 @@
           <a:p>
             <a:fld id="{26AD669A-30C1-E04D-B0FD-F1B57761776A}" type="datetimeFigureOut">
               <a:rPr lang="en-US" smtClean="0"/>
-              <a:t>12/30/23</a:t>
+              <a:t>1/21/24</a:t>
             </a:fld>
             <a:endParaRPr lang="en-US"/>
           </a:p>
@@ -1408,7 +1411,7 @@
           <a:p>
             <a:fld id="{26AD669A-30C1-E04D-B0FD-F1B57761776A}" type="datetimeFigureOut">
               <a:rPr lang="en-US" smtClean="0"/>
-              <a:t>12/30/23</a:t>
+              <a:t>1/21/24</a:t>
             </a:fld>
             <a:endParaRPr lang="en-US"/>
           </a:p>
@@ -1820,7 +1823,7 @@
           <a:p>
             <a:fld id="{26AD669A-30C1-E04D-B0FD-F1B57761776A}" type="datetimeFigureOut">
               <a:rPr lang="en-US" smtClean="0"/>
-              <a:t>12/30/23</a:t>
+              <a:t>1/21/24</a:t>
             </a:fld>
             <a:endParaRPr lang="en-US"/>
           </a:p>
@@ -1961,7 +1964,7 @@
           <a:p>
             <a:fld id="{26AD669A-30C1-E04D-B0FD-F1B57761776A}" type="datetimeFigureOut">
               <a:rPr lang="en-US" smtClean="0"/>
-              <a:t>12/30/23</a:t>
+              <a:t>1/21/24</a:t>
             </a:fld>
             <a:endParaRPr lang="en-US"/>
           </a:p>
@@ -2074,7 +2077,7 @@
           <a:p>
             <a:fld id="{26AD669A-30C1-E04D-B0FD-F1B57761776A}" type="datetimeFigureOut">
               <a:rPr lang="en-US" smtClean="0"/>
-              <a:t>12/30/23</a:t>
+              <a:t>1/21/24</a:t>
             </a:fld>
             <a:endParaRPr lang="en-US"/>
           </a:p>
@@ -2385,7 +2388,7 @@
           <a:p>
             <a:fld id="{26AD669A-30C1-E04D-B0FD-F1B57761776A}" type="datetimeFigureOut">
               <a:rPr lang="en-US" smtClean="0"/>
-              <a:t>12/30/23</a:t>
+              <a:t>1/21/24</a:t>
             </a:fld>
             <a:endParaRPr lang="en-US"/>
           </a:p>
@@ -2673,7 +2676,7 @@
           <a:p>
             <a:fld id="{26AD669A-30C1-E04D-B0FD-F1B57761776A}" type="datetimeFigureOut">
               <a:rPr lang="en-US" smtClean="0"/>
-              <a:t>12/30/23</a:t>
+              <a:t>1/21/24</a:t>
             </a:fld>
             <a:endParaRPr lang="en-US"/>
           </a:p>
@@ -2914,7 +2917,7 @@
           <a:p>
             <a:fld id="{26AD669A-30C1-E04D-B0FD-F1B57761776A}" type="datetimeFigureOut">
               <a:rPr lang="en-US" smtClean="0"/>
-              <a:t>12/30/23</a:t>
+              <a:t>1/21/24</a:t>
             </a:fld>
             <a:endParaRPr lang="en-US"/>
           </a:p>
@@ -3593,8 +3596,33 @@
         </p:nvSpPr>
         <p:spPr/>
         <p:txBody>
-          <a:bodyPr/>
-          <a:lstStyle/>
+          <a:bodyPr>
+            <a:normAutofit/>
+          </a:bodyPr>
+          <a:lstStyle/>
+          <a:p>
+            <a:pPr algn="just">
+              <a:spcBef>
+                <a:spcPts val="0"/>
+              </a:spcBef>
+              <a:spcAft>
+                <a:spcPts val="2000"/>
+              </a:spcAft>
+            </a:pPr>
+            <a:br>
+              <a:rPr lang="en-US" sz="1200" dirty="0"/>
+            </a:br>
+            <a:r>
+              <a:rPr lang="en-US" sz="1800" b="1" dirty="0">
+                <a:solidFill>
+                  <a:srgbClr val="000000"/>
+                </a:solidFill>
+                <a:latin typeface="Times New Roman" panose="02020603050405020304" pitchFamily="18" charset="0"/>
+                <a:cs typeface="Times New Roman" panose="02020603050405020304" pitchFamily="18" charset="0"/>
+              </a:rPr>
+              <a:t>Regression Analysis for predicting the number of breweries.</a:t>
+            </a:r>
+          </a:p>
           <a:p>
             <a:pPr marL="0" marR="0" algn="just">
               <a:spcBef>
@@ -3605,7 +3633,7 @@
               </a:spcAft>
             </a:pPr>
             <a:r>
-              <a:rPr lang="en-US" sz="1800" b="1" dirty="0">
+              <a:rPr lang="en-US" sz="1800" dirty="0">
                 <a:solidFill>
                   <a:srgbClr val="000000"/>
                 </a:solidFill>
@@ -3614,14 +3642,8 @@
                 <a:ea typeface="Calibri" panose="020F0502020204030204" pitchFamily="34" charset="0"/>
                 <a:cs typeface="Times New Roman" panose="02020603050405020304" pitchFamily="18" charset="0"/>
               </a:rPr>
-              <a:t>Regional Brewery Landscape</a:t>
-            </a:r>
-            <a:endParaRPr lang="en-US" sz="1800" dirty="0">
-              <a:effectLst/>
-              <a:latin typeface="Calibri" panose="020F0502020204030204" pitchFamily="34" charset="0"/>
-              <a:ea typeface="Calibri" panose="020F0502020204030204" pitchFamily="34" charset="0"/>
-              <a:cs typeface="Times New Roman" panose="02020603050405020304" pitchFamily="18" charset="0"/>
-            </a:endParaRPr>
+              <a:t>The MSE is a measure of the average squared difference between the actual and predicted values, with a lower value indicating better model performance. The R-squared value represents the proportion of the variance in the dependent variable that is predictable from the independent variable(s), with a value closer to 1 indicating a better fit.</a:t>
+            </a:r>
           </a:p>
           <a:p>
             <a:pPr marL="0" marR="0" algn="just">
@@ -3642,38 +3664,28 @@
                 <a:ea typeface="Calibri" panose="020F0502020204030204" pitchFamily="34" charset="0"/>
                 <a:cs typeface="Times New Roman" panose="02020603050405020304" pitchFamily="18" charset="0"/>
               </a:rPr>
-              <a:t>Brewery Types: Brewpubs are the most prevalent type of brewery, followed by microbreweries, while </a:t>
-            </a:r>
-            <a:r>
-              <a:rPr lang="en-US" sz="1800" dirty="0" err="1">
+              <a:t>Given the low R-squared value, the model's ability to predict the number of breweries based on population alone is limited. This suggests that other factors may significantly influence the number of breweries in a city or state, and a more complex model or additional features might be needed for better predictions.</a:t>
+            </a:r>
+          </a:p>
+          <a:p>
+            <a:pPr marL="0" algn="just">
+              <a:spcBef>
+                <a:spcPts val="0"/>
+              </a:spcBef>
+              <a:spcAft>
+                <a:spcPts val="2000"/>
+              </a:spcAft>
+            </a:pPr>
+            <a:r>
+              <a:rPr lang="en-US" sz="1800" dirty="0">
                 <a:solidFill>
                   <a:srgbClr val="000000"/>
                 </a:solidFill>
-                <a:effectLst/>
                 <a:latin typeface="Times New Roman" panose="02020603050405020304" pitchFamily="18" charset="0"/>
-                <a:ea typeface="Calibri" panose="020F0502020204030204" pitchFamily="34" charset="0"/>
                 <a:cs typeface="Times New Roman" panose="02020603050405020304" pitchFamily="18" charset="0"/>
               </a:rPr>
-              <a:t>MultitapBars</a:t>
-            </a:r>
-            <a:r>
-              <a:rPr lang="en-US" sz="1800" dirty="0">
-                <a:solidFill>
-                  <a:srgbClr val="000000"/>
-                </a:solidFill>
-                <a:effectLst/>
-                <a:latin typeface="Times New Roman" panose="02020603050405020304" pitchFamily="18" charset="0"/>
-                <a:ea typeface="Calibri" panose="020F0502020204030204" pitchFamily="34" charset="0"/>
-                <a:cs typeface="Times New Roman" panose="02020603050405020304" pitchFamily="18" charset="0"/>
-              </a:rPr>
-              <a:t> are the least common.</a:t>
-            </a:r>
-            <a:endParaRPr lang="en-US" sz="1800" dirty="0">
-              <a:effectLst/>
-              <a:latin typeface="Calibri" panose="020F0502020204030204" pitchFamily="34" charset="0"/>
-              <a:ea typeface="Calibri" panose="020F0502020204030204" pitchFamily="34" charset="0"/>
-              <a:cs typeface="Times New Roman" panose="02020603050405020304" pitchFamily="18" charset="0"/>
-            </a:endParaRPr>
+              <a:t>The model explains only about 2.13% of the variance in the number of breweries, which is quite low. This indicates that the population size alone does not effectively predict the number of breweries in a city and that other factors likely play a significant role</a:t>
+            </a:r>
           </a:p>
           <a:p>
             <a:pPr marL="0" marR="0" algn="just">
@@ -3684,110 +3696,6 @@
                 <a:spcPts val="2000"/>
               </a:spcAft>
             </a:pPr>
-            <a:r>
-              <a:rPr lang="en-US" sz="1800" dirty="0">
-                <a:solidFill>
-                  <a:srgbClr val="000000"/>
-                </a:solidFill>
-                <a:effectLst/>
-                <a:latin typeface="Times New Roman" panose="02020603050405020304" pitchFamily="18" charset="0"/>
-                <a:ea typeface="Calibri" panose="020F0502020204030204" pitchFamily="34" charset="0"/>
-                <a:cs typeface="Times New Roman" panose="02020603050405020304" pitchFamily="18" charset="0"/>
-              </a:rPr>
-              <a:t>State-wise Brewery Counts: California leads in the number of breweries, followed by Colorado and Oregon. This indicates regional variations in brewery prevalence.</a:t>
-            </a:r>
-            <a:endParaRPr lang="en-US" sz="1800" dirty="0">
-              <a:effectLst/>
-              <a:latin typeface="Calibri" panose="020F0502020204030204" pitchFamily="34" charset="0"/>
-              <a:ea typeface="Calibri" panose="020F0502020204030204" pitchFamily="34" charset="0"/>
-              <a:cs typeface="Times New Roman" panose="02020603050405020304" pitchFamily="18" charset="0"/>
-            </a:endParaRPr>
-          </a:p>
-          <a:p>
-            <a:pPr marL="0" marR="0" algn="just">
-              <a:spcBef>
-                <a:spcPts val="0"/>
-              </a:spcBef>
-              <a:spcAft>
-                <a:spcPts val="2000"/>
-              </a:spcAft>
-            </a:pPr>
-            <a:r>
-              <a:rPr lang="en-US" sz="1800" b="1" dirty="0">
-                <a:solidFill>
-                  <a:srgbClr val="000000"/>
-                </a:solidFill>
-                <a:effectLst/>
-                <a:latin typeface="Times New Roman" panose="02020603050405020304" pitchFamily="18" charset="0"/>
-                <a:ea typeface="Calibri" panose="020F0502020204030204" pitchFamily="34" charset="0"/>
-                <a:cs typeface="Times New Roman" panose="02020603050405020304" pitchFamily="18" charset="0"/>
-              </a:rPr>
-              <a:t>Brewery Type Distribution by State</a:t>
-            </a:r>
-            <a:endParaRPr lang="en-US" sz="1800" dirty="0">
-              <a:effectLst/>
-              <a:latin typeface="Calibri" panose="020F0502020204030204" pitchFamily="34" charset="0"/>
-              <a:ea typeface="Calibri" panose="020F0502020204030204" pitchFamily="34" charset="0"/>
-              <a:cs typeface="Times New Roman" panose="02020603050405020304" pitchFamily="18" charset="0"/>
-            </a:endParaRPr>
-          </a:p>
-          <a:p>
-            <a:pPr marL="0" marR="0" algn="just">
-              <a:spcBef>
-                <a:spcPts val="0"/>
-              </a:spcBef>
-              <a:spcAft>
-                <a:spcPts val="2000"/>
-              </a:spcAft>
-            </a:pPr>
-            <a:r>
-              <a:rPr lang="en-US" sz="1800" dirty="0">
-                <a:solidFill>
-                  <a:srgbClr val="000000"/>
-                </a:solidFill>
-                <a:effectLst/>
-                <a:latin typeface="Times New Roman" panose="02020603050405020304" pitchFamily="18" charset="0"/>
-                <a:ea typeface="Calibri" panose="020F0502020204030204" pitchFamily="34" charset="0"/>
-                <a:cs typeface="Times New Roman" panose="02020603050405020304" pitchFamily="18" charset="0"/>
-              </a:rPr>
-              <a:t>Spatial Patterns: Certain states exhibit stronger presences of specific brewery types. For instance, the West Coast has a high concentration, while the Midwest has fewer breweries due to various factors.</a:t>
-            </a:r>
-            <a:endParaRPr lang="en-US" sz="1800" dirty="0">
-              <a:effectLst/>
-              <a:latin typeface="Calibri" panose="020F0502020204030204" pitchFamily="34" charset="0"/>
-              <a:ea typeface="Calibri" panose="020F0502020204030204" pitchFamily="34" charset="0"/>
-              <a:cs typeface="Times New Roman" panose="02020603050405020304" pitchFamily="18" charset="0"/>
-            </a:endParaRPr>
-          </a:p>
-          <a:p>
-            <a:pPr marL="0" marR="0" algn="just">
-              <a:spcBef>
-                <a:spcPts val="0"/>
-              </a:spcBef>
-              <a:spcAft>
-                <a:spcPts val="2000"/>
-              </a:spcAft>
-            </a:pPr>
-            <a:r>
-              <a:rPr lang="en-US" sz="1800" dirty="0">
-                <a:solidFill>
-                  <a:srgbClr val="000000"/>
-                </a:solidFill>
-                <a:effectLst/>
-                <a:latin typeface="Times New Roman" panose="02020603050405020304" pitchFamily="18" charset="0"/>
-                <a:ea typeface="Calibri" panose="020F0502020204030204" pitchFamily="34" charset="0"/>
-                <a:cs typeface="Times New Roman" panose="02020603050405020304" pitchFamily="18" charset="0"/>
-              </a:rPr>
-              <a:t>Expansion Opportunities: Identified regions like the Mountain West and Southeast as potential areas for expansion due to diverse markets and a lack of certain brewery types.</a:t>
-            </a:r>
-            <a:endParaRPr lang="en-US" sz="1800" dirty="0">
-              <a:effectLst/>
-              <a:latin typeface="Calibri" panose="020F0502020204030204" pitchFamily="34" charset="0"/>
-              <a:ea typeface="Calibri" panose="020F0502020204030204" pitchFamily="34" charset="0"/>
-              <a:cs typeface="Times New Roman" panose="02020603050405020304" pitchFamily="18" charset="0"/>
-            </a:endParaRPr>
-          </a:p>
-          <a:p>
             <a:endParaRPr lang="en-US" dirty="0"/>
           </a:p>
         </p:txBody>
@@ -3840,7 +3748,7 @@
           </a:lstStyle>
           <a:p>
             <a:r>
-              <a:rPr lang="en-US" b="1">
+              <a:rPr lang="en-US" b="1" dirty="0">
                 <a:solidFill>
                   <a:srgbClr val="000000"/>
                 </a:solidFill>
@@ -3848,7 +3756,7 @@
                 <a:ea typeface="Calibri" panose="020F0502020204030204" pitchFamily="34" charset="0"/>
                 <a:cs typeface="Times New Roman" panose="02020603050405020304" pitchFamily="18" charset="0"/>
               </a:rPr>
-              <a:t>Analytical Insights</a:t>
+              <a:t>Methodology</a:t>
             </a:r>
             <a:endParaRPr lang="en-US" dirty="0"/>
           </a:p>
@@ -3886,63 +3794,49 @@
       </p:grpSpPr>
       <p:sp>
         <p:nvSpPr>
-          <p:cNvPr id="2" name="Title 1">
-            <a:extLst>
-              <a:ext uri="{FF2B5EF4-FFF2-40B4-BE49-F238E27FC236}">
-                <a16:creationId xmlns:a16="http://schemas.microsoft.com/office/drawing/2014/main" id="{6C8C564E-C502-F484-4E79-26C599BEBC59}"/>
-              </a:ext>
-            </a:extLst>
-          </p:cNvPr>
-          <p:cNvSpPr>
-            <a:spLocks noGrp="1"/>
-          </p:cNvSpPr>
-          <p:nvPr>
-            <p:ph type="title"/>
+          <p:cNvPr id="3" name="Content Placeholder 2">
+            <a:extLst>
+              <a:ext uri="{FF2B5EF4-FFF2-40B4-BE49-F238E27FC236}">
+                <a16:creationId xmlns:a16="http://schemas.microsoft.com/office/drawing/2014/main" id="{00770BCD-FC97-3AB6-678C-090A43B3F420}"/>
+              </a:ext>
+            </a:extLst>
+          </p:cNvPr>
+          <p:cNvSpPr>
+            <a:spLocks noGrp="1"/>
+          </p:cNvSpPr>
+          <p:nvPr>
+            <p:ph idx="1"/>
           </p:nvPr>
         </p:nvSpPr>
         <p:spPr/>
         <p:txBody>
-          <a:bodyPr/>
-          <a:lstStyle/>
-          <a:p>
-            <a:r>
-              <a:rPr lang="en-US" sz="4400" b="1" dirty="0">
+          <a:bodyPr>
+            <a:normAutofit/>
+          </a:bodyPr>
+          <a:lstStyle/>
+          <a:p>
+            <a:pPr algn="just">
+              <a:spcBef>
+                <a:spcPts val="0"/>
+              </a:spcBef>
+              <a:spcAft>
+                <a:spcPts val="2000"/>
+              </a:spcAft>
+            </a:pPr>
+            <a:br>
+              <a:rPr lang="en-US" sz="1200" dirty="0"/>
+            </a:br>
+            <a:r>
+              <a:rPr lang="en-US" sz="1800" b="1" dirty="0">
                 <a:solidFill>
                   <a:srgbClr val="000000"/>
                 </a:solidFill>
-                <a:effectLst/>
                 <a:latin typeface="Times New Roman" panose="02020603050405020304" pitchFamily="18" charset="0"/>
-                <a:ea typeface="Calibri" panose="020F0502020204030204" pitchFamily="34" charset="0"/>
                 <a:cs typeface="Times New Roman" panose="02020603050405020304" pitchFamily="18" charset="0"/>
               </a:rPr>
-              <a:t>Analytical Insights</a:t>
-            </a:r>
-            <a:endParaRPr lang="en-US" dirty="0"/>
-          </a:p>
-        </p:txBody>
-      </p:sp>
-      <p:sp>
-        <p:nvSpPr>
-          <p:cNvPr id="3" name="Content Placeholder 2">
-            <a:extLst>
-              <a:ext uri="{FF2B5EF4-FFF2-40B4-BE49-F238E27FC236}">
-                <a16:creationId xmlns:a16="http://schemas.microsoft.com/office/drawing/2014/main" id="{7E3D203A-2D9B-D587-1B8D-AF4125296F93}"/>
-              </a:ext>
-            </a:extLst>
-          </p:cNvPr>
-          <p:cNvSpPr>
-            <a:spLocks noGrp="1"/>
-          </p:cNvSpPr>
-          <p:nvPr>
-            <p:ph idx="1"/>
-          </p:nvPr>
-        </p:nvSpPr>
-        <p:spPr/>
-        <p:txBody>
-          <a:bodyPr>
-            <a:normAutofit fontScale="92500" lnSpcReduction="20000"/>
-          </a:bodyPr>
-          <a:lstStyle/>
+              <a:t>Classification Analysis for predicting the type of brewery..</a:t>
+            </a:r>
+          </a:p>
           <a:p>
             <a:pPr marL="0" marR="0" algn="just">
               <a:spcBef>
@@ -3953,18 +3847,18 @@
               </a:spcAft>
             </a:pPr>
             <a:r>
-              <a:rPr lang="en-US" sz="1800" b="1" dirty="0">
+              <a:rPr lang="en-US" sz="1400" dirty="0">
                 <a:solidFill>
                   <a:srgbClr val="000000"/>
                 </a:solidFill>
                 <a:effectLst/>
-                <a:latin typeface="Times New Roman" panose="02020603050405020304" pitchFamily="18" charset="0"/>
-                <a:ea typeface="Calibri" panose="020F0502020204030204" pitchFamily="34" charset="0"/>
+                <a:latin typeface="Segoe UI" panose="020B0502040204020203" pitchFamily="34" charset="0"/>
+                <a:ea typeface="Times New Roman" panose="02020603050405020304" pitchFamily="18" charset="0"/>
                 <a:cs typeface="Times New Roman" panose="02020603050405020304" pitchFamily="18" charset="0"/>
               </a:rPr>
-              <a:t>Urban-Rural Analysis</a:t>
-            </a:r>
-            <a:endParaRPr lang="en-US" sz="1800" dirty="0">
+              <a:t>From the provided classification report, the model achieved an accuracy of approximately 54.04%. This means that for about 54% of the cities, the model could correctly predict the most likely type of brewery based on the city's population.</a:t>
+            </a:r>
+            <a:endParaRPr lang="en-US" sz="1400" dirty="0">
               <a:effectLst/>
               <a:latin typeface="Calibri" panose="020F0502020204030204" pitchFamily="34" charset="0"/>
               <a:ea typeface="Calibri" panose="020F0502020204030204" pitchFamily="34" charset="0"/>
@@ -3981,18 +3875,18 @@
               </a:spcAft>
             </a:pPr>
             <a:r>
-              <a:rPr lang="en-US" sz="1800" dirty="0">
+              <a:rPr lang="en-US" sz="1400" dirty="0">
                 <a:solidFill>
                   <a:srgbClr val="000000"/>
                 </a:solidFill>
                 <a:effectLst/>
-                <a:latin typeface="Times New Roman" panose="02020603050405020304" pitchFamily="18" charset="0"/>
-                <a:ea typeface="Calibri" panose="020F0502020204030204" pitchFamily="34" charset="0"/>
+                <a:latin typeface="Segoe UI" panose="020B0502040204020203" pitchFamily="34" charset="0"/>
+                <a:ea typeface="Times New Roman" panose="02020603050405020304" pitchFamily="18" charset="0"/>
                 <a:cs typeface="Times New Roman" panose="02020603050405020304" pitchFamily="18" charset="0"/>
               </a:rPr>
-              <a:t>Identified Urban Regions: Highlighted major populous cities with fewer breweries, pinpointing expansion opportunities. Cities like Omaha, Honolulu, and Nashville have fewer than 50 breweries each, indicating potential for growth.</a:t>
-            </a:r>
-            <a:endParaRPr lang="en-US" sz="1800" dirty="0">
+              <a:t>However, the detailed classification report shows varying precision and recall across different brewery types. The model performs well in identifying 'Brewpubs' with a high recall (0.98), indicating it can recognize this category effectively, but with a precision of 0.54, it also has a fair number of false positives. For 'Microbreweries', the precision is 0.37, indicating a lower rate of correct positive predictions, and the recall is 0.03, suggesting that the model rarely identifies this category correctly.</a:t>
+            </a:r>
+            <a:endParaRPr lang="en-US" sz="1400" dirty="0">
               <a:effectLst/>
               <a:latin typeface="Calibri" panose="020F0502020204030204" pitchFamily="34" charset="0"/>
               <a:ea typeface="Calibri" panose="020F0502020204030204" pitchFamily="34" charset="0"/>
@@ -4009,18 +3903,18 @@
               </a:spcAft>
             </a:pPr>
             <a:r>
-              <a:rPr lang="en-US" sz="1800" dirty="0">
+              <a:rPr lang="en-US" sz="1400" dirty="0">
                 <a:solidFill>
                   <a:srgbClr val="000000"/>
                 </a:solidFill>
                 <a:effectLst/>
-                <a:latin typeface="Times New Roman" panose="02020603050405020304" pitchFamily="18" charset="0"/>
-                <a:ea typeface="Calibri" panose="020F0502020204030204" pitchFamily="34" charset="0"/>
+                <a:latin typeface="Segoe UI" panose="020B0502040204020203" pitchFamily="34" charset="0"/>
+                <a:ea typeface="Times New Roman" panose="02020603050405020304" pitchFamily="18" charset="0"/>
                 <a:cs typeface="Times New Roman" panose="02020603050405020304" pitchFamily="18" charset="0"/>
               </a:rPr>
-              <a:t>Growing Cities: Highlighted cities like Frederick, Conway, and Norman, known for specific attributes, presenting opportunities for brewery market expansion.</a:t>
-            </a:r>
-            <a:endParaRPr lang="en-US" sz="1800" dirty="0">
+              <a:t>The classification model's reliance on a single feature, the city's population, limits its ability to predict the brewery type accurately. The feature importance score indicates that population is the sole feature used, which implies a need for a more complex model that includes additional demographic and possibly economic data to improve predictive accuracy.</a:t>
+            </a:r>
+            <a:endParaRPr lang="en-US" sz="1400" dirty="0">
               <a:effectLst/>
               <a:latin typeface="Calibri" panose="020F0502020204030204" pitchFamily="34" charset="0"/>
               <a:ea typeface="Calibri" panose="020F0502020204030204" pitchFamily="34" charset="0"/>
@@ -4036,110 +3930,68 @@
                 <a:spcPts val="2000"/>
               </a:spcAft>
             </a:pPr>
-            <a:r>
-              <a:rPr lang="en-US" sz="1800" b="1" dirty="0">
+            <a:endParaRPr lang="en-US" dirty="0"/>
+          </a:p>
+        </p:txBody>
+      </p:sp>
+      <p:sp>
+        <p:nvSpPr>
+          <p:cNvPr id="7" name="Title 1">
+            <a:extLst>
+              <a:ext uri="{FF2B5EF4-FFF2-40B4-BE49-F238E27FC236}">
+                <a16:creationId xmlns:a16="http://schemas.microsoft.com/office/drawing/2014/main" id="{61043663-AC19-8F04-85F5-941EDAA8F1D4}"/>
+              </a:ext>
+            </a:extLst>
+          </p:cNvPr>
+          <p:cNvSpPr txBox="1">
+            <a:spLocks/>
+          </p:cNvSpPr>
+          <p:nvPr/>
+        </p:nvSpPr>
+        <p:spPr>
+          <a:xfrm>
+            <a:off x="990600" y="517525"/>
+            <a:ext cx="10515600" cy="1325563"/>
+          </a:xfrm>
+          <a:prstGeom prst="rect">
+            <a:avLst/>
+          </a:prstGeom>
+        </p:spPr>
+        <p:txBody>
+          <a:bodyPr vert="horz" lIns="91440" tIns="45720" rIns="91440" bIns="45720" rtlCol="0" anchor="ctr">
+            <a:normAutofit/>
+          </a:bodyPr>
+          <a:lstStyle>
+            <a:lvl1pPr algn="l" defTabSz="914400" rtl="0" eaLnBrk="1" latinLnBrk="0" hangingPunct="1">
+              <a:lnSpc>
+                <a:spcPct val="90000"/>
+              </a:lnSpc>
+              <a:spcBef>
+                <a:spcPct val="0"/>
+              </a:spcBef>
+              <a:buNone/>
+              <a:defRPr sz="4400" kern="1200">
+                <a:solidFill>
+                  <a:schemeClr val="tx1"/>
+                </a:solidFill>
+                <a:latin typeface="+mj-lt"/>
+                <a:ea typeface="+mj-ea"/>
+                <a:cs typeface="+mj-cs"/>
+              </a:defRPr>
+            </a:lvl1pPr>
+          </a:lstStyle>
+          <a:p>
+            <a:r>
+              <a:rPr lang="en-US" b="1" dirty="0">
                 <a:solidFill>
                   <a:srgbClr val="000000"/>
                 </a:solidFill>
-                <a:effectLst/>
                 <a:latin typeface="Times New Roman" panose="02020603050405020304" pitchFamily="18" charset="0"/>
                 <a:ea typeface="Calibri" panose="020F0502020204030204" pitchFamily="34" charset="0"/>
                 <a:cs typeface="Times New Roman" panose="02020603050405020304" pitchFamily="18" charset="0"/>
               </a:rPr>
-              <a:t>Population Correlation</a:t>
-            </a:r>
-            <a:endParaRPr lang="en-US" sz="1800" dirty="0">
-              <a:effectLst/>
-              <a:latin typeface="Calibri" panose="020F0502020204030204" pitchFamily="34" charset="0"/>
-              <a:ea typeface="Calibri" panose="020F0502020204030204" pitchFamily="34" charset="0"/>
-              <a:cs typeface="Times New Roman" panose="02020603050405020304" pitchFamily="18" charset="0"/>
-            </a:endParaRPr>
-          </a:p>
-          <a:p>
-            <a:pPr marL="0" marR="0" algn="just">
-              <a:spcBef>
-                <a:spcPts val="0"/>
-              </a:spcBef>
-              <a:spcAft>
-                <a:spcPts val="2000"/>
-              </a:spcAft>
-            </a:pPr>
-            <a:r>
-              <a:rPr lang="en-US" sz="1800" dirty="0">
-                <a:solidFill>
-                  <a:srgbClr val="000000"/>
-                </a:solidFill>
-                <a:effectLst/>
-                <a:latin typeface="Times New Roman" panose="02020603050405020304" pitchFamily="18" charset="0"/>
-                <a:ea typeface="Calibri" panose="020F0502020204030204" pitchFamily="34" charset="0"/>
-                <a:cs typeface="Times New Roman" panose="02020603050405020304" pitchFamily="18" charset="0"/>
-              </a:rPr>
-              <a:t>Correlation Analysis: Demonstrated a direct relationship between population size and brewery concentration. Higher population areas tend to host more breweries, emphasizing the influence of population on brewery distribution.</a:t>
-            </a:r>
-            <a:endParaRPr lang="en-US" sz="1800" dirty="0">
-              <a:effectLst/>
-              <a:latin typeface="Calibri" panose="020F0502020204030204" pitchFamily="34" charset="0"/>
-              <a:ea typeface="Calibri" panose="020F0502020204030204" pitchFamily="34" charset="0"/>
-              <a:cs typeface="Times New Roman" panose="02020603050405020304" pitchFamily="18" charset="0"/>
-            </a:endParaRPr>
-          </a:p>
-          <a:p>
-            <a:pPr marL="0" marR="0" algn="just">
-              <a:spcBef>
-                <a:spcPts val="0"/>
-              </a:spcBef>
-              <a:spcAft>
-                <a:spcPts val="2000"/>
-              </a:spcAft>
-            </a:pPr>
-            <a:r>
-              <a:rPr lang="en-US" sz="1800" b="1" dirty="0">
-                <a:solidFill>
-                  <a:srgbClr val="000000"/>
-                </a:solidFill>
-                <a:effectLst/>
-                <a:latin typeface="Times New Roman" panose="02020603050405020304" pitchFamily="18" charset="0"/>
-                <a:ea typeface="Calibri" panose="020F0502020204030204" pitchFamily="34" charset="0"/>
-                <a:cs typeface="Times New Roman" panose="02020603050405020304" pitchFamily="18" charset="0"/>
-              </a:rPr>
-              <a:t>Online Presence</a:t>
-            </a:r>
-            <a:endParaRPr lang="en-US" sz="1800" dirty="0">
-              <a:effectLst/>
-              <a:latin typeface="Calibri" panose="020F0502020204030204" pitchFamily="34" charset="0"/>
-              <a:ea typeface="Calibri" panose="020F0502020204030204" pitchFamily="34" charset="0"/>
-              <a:cs typeface="Times New Roman" panose="02020603050405020304" pitchFamily="18" charset="0"/>
-            </a:endParaRPr>
-          </a:p>
-          <a:p>
-            <a:pPr marL="0" marR="0" algn="just">
-              <a:spcBef>
-                <a:spcPts val="0"/>
-              </a:spcBef>
-              <a:spcAft>
-                <a:spcPts val="2000"/>
-              </a:spcAft>
-            </a:pPr>
-            <a:r>
-              <a:rPr lang="en-US" sz="1800" dirty="0">
-                <a:solidFill>
-                  <a:srgbClr val="000000"/>
-                </a:solidFill>
-                <a:effectLst/>
-                <a:latin typeface="Times New Roman" panose="02020603050405020304" pitchFamily="18" charset="0"/>
-                <a:ea typeface="Calibri" panose="020F0502020204030204" pitchFamily="34" charset="0"/>
-                <a:cs typeface="Times New Roman" panose="02020603050405020304" pitchFamily="18" charset="0"/>
-              </a:rPr>
-              <a:t>Digital Engagement: Found that 99.7% of breweries have an online presence, emphasizing the importance of websites for engagement and market reach in the industry.</a:t>
-            </a:r>
-            <a:endParaRPr lang="en-US" sz="1800" dirty="0">
-              <a:effectLst/>
-              <a:latin typeface="Calibri" panose="020F0502020204030204" pitchFamily="34" charset="0"/>
-              <a:ea typeface="Calibri" panose="020F0502020204030204" pitchFamily="34" charset="0"/>
-              <a:cs typeface="Times New Roman" panose="02020603050405020304" pitchFamily="18" charset="0"/>
-            </a:endParaRPr>
-          </a:p>
-          <a:p>
+              <a:t>Methodology</a:t>
+            </a:r>
             <a:endParaRPr lang="en-US" dirty="0"/>
           </a:p>
         </p:txBody>
@@ -4147,7 +3999,7 @@
     </p:spTree>
     <p:extLst>
       <p:ext uri="{BB962C8B-B14F-4D97-AF65-F5344CB8AC3E}">
-        <p14:creationId xmlns:p14="http://schemas.microsoft.com/office/powerpoint/2010/main" val="3454261189"/>
+        <p14:creationId xmlns:p14="http://schemas.microsoft.com/office/powerpoint/2010/main" val="248666653"/>
       </p:ext>
     </p:extLst>
   </p:cSld>
@@ -4176,61 +4028,205 @@
       </p:grpSpPr>
       <p:sp>
         <p:nvSpPr>
-          <p:cNvPr id="2" name="Title 1">
-            <a:extLst>
-              <a:ext uri="{FF2B5EF4-FFF2-40B4-BE49-F238E27FC236}">
-                <a16:creationId xmlns:a16="http://schemas.microsoft.com/office/drawing/2014/main" id="{ED85E9F3-42EA-E695-451C-682393CECF50}"/>
-              </a:ext>
-            </a:extLst>
-          </p:cNvPr>
-          <p:cNvSpPr>
-            <a:spLocks noGrp="1"/>
-          </p:cNvSpPr>
-          <p:nvPr>
-            <p:ph type="title"/>
+          <p:cNvPr id="3" name="Content Placeholder 2">
+            <a:extLst>
+              <a:ext uri="{FF2B5EF4-FFF2-40B4-BE49-F238E27FC236}">
+                <a16:creationId xmlns:a16="http://schemas.microsoft.com/office/drawing/2014/main" id="{00770BCD-FC97-3AB6-678C-090A43B3F420}"/>
+              </a:ext>
+            </a:extLst>
+          </p:cNvPr>
+          <p:cNvSpPr>
+            <a:spLocks noGrp="1"/>
+          </p:cNvSpPr>
+          <p:nvPr>
+            <p:ph idx="1"/>
           </p:nvPr>
         </p:nvSpPr>
         <p:spPr/>
         <p:txBody>
-          <a:bodyPr/>
-          <a:lstStyle/>
-          <a:p>
-            <a:r>
-              <a:rPr lang="en-US" sz="1800" b="1" dirty="0">
+          <a:bodyPr>
+            <a:normAutofit/>
+          </a:bodyPr>
+          <a:lstStyle/>
+          <a:p>
+            <a:pPr algn="just">
+              <a:spcBef>
+                <a:spcPts val="0"/>
+              </a:spcBef>
+              <a:spcAft>
+                <a:spcPts val="2000"/>
+              </a:spcAft>
+            </a:pPr>
+            <a:br>
+              <a:rPr lang="en-US" sz="1200" dirty="0"/>
+            </a:br>
+            <a:r>
+              <a:rPr lang="en-US" sz="1400" b="1" dirty="0">
                 <a:solidFill>
                   <a:srgbClr val="000000"/>
                 </a:solidFill>
-                <a:effectLst/>
-                <a:latin typeface="Times New Roman" panose="02020603050405020304" pitchFamily="18" charset="0"/>
-                <a:ea typeface="Calibri" panose="020F0502020204030204" pitchFamily="34" charset="0"/>
+                <a:latin typeface="Segoe UI" panose="020B0502040204020203" pitchFamily="34" charset="0"/>
                 <a:cs typeface="Times New Roman" panose="02020603050405020304" pitchFamily="18" charset="0"/>
               </a:rPr>
-              <a:t>Recommendations</a:t>
-            </a:r>
-            <a:endParaRPr lang="en-US" dirty="0"/>
-          </a:p>
-        </p:txBody>
-      </p:sp>
-      <p:sp>
-        <p:nvSpPr>
-          <p:cNvPr id="3" name="Content Placeholder 2">
-            <a:extLst>
-              <a:ext uri="{FF2B5EF4-FFF2-40B4-BE49-F238E27FC236}">
-                <a16:creationId xmlns:a16="http://schemas.microsoft.com/office/drawing/2014/main" id="{AD2BA795-77CF-84A5-7F73-81863B81A12E}"/>
-              </a:ext>
-            </a:extLst>
-          </p:cNvPr>
-          <p:cNvSpPr>
-            <a:spLocks noGrp="1"/>
-          </p:cNvSpPr>
-          <p:nvPr>
-            <p:ph idx="1"/>
-          </p:nvPr>
-        </p:nvSpPr>
-        <p:spPr/>
-        <p:txBody>
-          <a:bodyPr/>
-          <a:lstStyle/>
+              <a:t>Feature Importance to identify key predictive factors.</a:t>
+            </a:r>
+          </a:p>
+          <a:p>
+            <a:pPr marL="0" marR="0">
+              <a:spcBef>
+                <a:spcPts val="0"/>
+              </a:spcBef>
+              <a:spcAft>
+                <a:spcPts val="0"/>
+              </a:spcAft>
+            </a:pPr>
+            <a:r>
+              <a:rPr lang="en-US" sz="1800" dirty="0">
+                <a:solidFill>
+                  <a:srgbClr val="000000"/>
+                </a:solidFill>
+                <a:effectLst/>
+                <a:latin typeface="Helvetica Neue" panose="02000503000000020004" pitchFamily="2" charset="0"/>
+                <a:ea typeface="Times New Roman" panose="02020603050405020304" pitchFamily="18" charset="0"/>
+              </a:rPr>
+              <a:t>The array [1.] indicates that the feature 'Population' has a feature importance score of 1.0. This suggests that in the Random Forest model, the population is the only feature used and is thus considered fully influential in predicting the type of brewery.</a:t>
+            </a:r>
+            <a:endParaRPr lang="en-US" sz="1800" dirty="0">
+              <a:effectLst/>
+              <a:latin typeface="Times New Roman" panose="02020603050405020304" pitchFamily="18" charset="0"/>
+              <a:ea typeface="Times New Roman" panose="02020603050405020304" pitchFamily="18" charset="0"/>
+            </a:endParaRPr>
+          </a:p>
+          <a:p>
+            <a:pPr marL="0" marR="0">
+              <a:spcBef>
+                <a:spcPts val="1200"/>
+              </a:spcBef>
+              <a:spcAft>
+                <a:spcPts val="0"/>
+              </a:spcAft>
+            </a:pPr>
+            <a:r>
+              <a:rPr lang="en-US" sz="1800" dirty="0">
+                <a:solidFill>
+                  <a:srgbClr val="000000"/>
+                </a:solidFill>
+                <a:effectLst/>
+                <a:latin typeface="Helvetica Neue" panose="02000503000000020004" pitchFamily="2" charset="0"/>
+                <a:ea typeface="Times New Roman" panose="02020603050405020304" pitchFamily="18" charset="0"/>
+              </a:rPr>
+              <a:t>The classification report shows the precision, recall, and F1-score for each brewery type.</a:t>
+            </a:r>
+            <a:endParaRPr lang="en-US" sz="1800" dirty="0">
+              <a:effectLst/>
+              <a:latin typeface="Times New Roman" panose="02020603050405020304" pitchFamily="18" charset="0"/>
+              <a:ea typeface="Times New Roman" panose="02020603050405020304" pitchFamily="18" charset="0"/>
+            </a:endParaRPr>
+          </a:p>
+          <a:p>
+            <a:pPr marL="0" marR="0">
+              <a:spcBef>
+                <a:spcPts val="1200"/>
+              </a:spcBef>
+              <a:spcAft>
+                <a:spcPts val="0"/>
+              </a:spcAft>
+            </a:pPr>
+            <a:r>
+              <a:rPr lang="en-US" sz="1800" dirty="0">
+                <a:solidFill>
+                  <a:srgbClr val="000000"/>
+                </a:solidFill>
+                <a:effectLst/>
+                <a:latin typeface="Helvetica Neue" panose="02000503000000020004" pitchFamily="2" charset="0"/>
+                <a:ea typeface="Times New Roman" panose="02020603050405020304" pitchFamily="18" charset="0"/>
+              </a:rPr>
+              <a:t>For most brewery types, both precision and recall are 0.00, indicating that the model is not able to predict these categories effectively based on population alone.</a:t>
+            </a:r>
+            <a:endParaRPr lang="en-US" sz="1800" dirty="0">
+              <a:effectLst/>
+              <a:latin typeface="Times New Roman" panose="02020603050405020304" pitchFamily="18" charset="0"/>
+              <a:ea typeface="Times New Roman" panose="02020603050405020304" pitchFamily="18" charset="0"/>
+            </a:endParaRPr>
+          </a:p>
+          <a:p>
+            <a:pPr marL="0" marR="0">
+              <a:spcBef>
+                <a:spcPts val="1200"/>
+              </a:spcBef>
+              <a:spcAft>
+                <a:spcPts val="0"/>
+              </a:spcAft>
+            </a:pPr>
+            <a:r>
+              <a:rPr lang="en-US" sz="1800" dirty="0">
+                <a:solidFill>
+                  <a:srgbClr val="000000"/>
+                </a:solidFill>
+                <a:effectLst/>
+                <a:latin typeface="Helvetica Neue" panose="02000503000000020004" pitchFamily="2" charset="0"/>
+                <a:ea typeface="Times New Roman" panose="02020603050405020304" pitchFamily="18" charset="0"/>
+              </a:rPr>
+              <a:t>For 'Brewpub', the model has a precision of 0.54 and a recall of 0.98, suggesting that while it can identify most Brewpubs (high recall), it is less precise (many false positives).</a:t>
+            </a:r>
+            <a:endParaRPr lang="en-US" sz="1800" dirty="0">
+              <a:effectLst/>
+              <a:latin typeface="Times New Roman" panose="02020603050405020304" pitchFamily="18" charset="0"/>
+              <a:ea typeface="Times New Roman" panose="02020603050405020304" pitchFamily="18" charset="0"/>
+            </a:endParaRPr>
+          </a:p>
+          <a:p>
+            <a:pPr marL="0" marR="0">
+              <a:spcBef>
+                <a:spcPts val="1200"/>
+              </a:spcBef>
+              <a:spcAft>
+                <a:spcPts val="0"/>
+              </a:spcAft>
+            </a:pPr>
+            <a:r>
+              <a:rPr lang="en-US" sz="1800" dirty="0">
+                <a:solidFill>
+                  <a:srgbClr val="000000"/>
+                </a:solidFill>
+                <a:effectLst/>
+                <a:latin typeface="Helvetica Neue" panose="02000503000000020004" pitchFamily="2" charset="0"/>
+                <a:ea typeface="Times New Roman" panose="02020603050405020304" pitchFamily="18" charset="0"/>
+              </a:rPr>
+              <a:t>'Microbrewery' has a slightly better precision of 0.37 but a low recall of 0.03.</a:t>
+            </a:r>
+            <a:endParaRPr lang="en-US" sz="1800" dirty="0">
+              <a:effectLst/>
+              <a:latin typeface="Times New Roman" panose="02020603050405020304" pitchFamily="18" charset="0"/>
+              <a:ea typeface="Times New Roman" panose="02020603050405020304" pitchFamily="18" charset="0"/>
+            </a:endParaRPr>
+          </a:p>
+          <a:p>
+            <a:pPr marL="0" marR="0">
+              <a:spcBef>
+                <a:spcPts val="1200"/>
+              </a:spcBef>
+              <a:spcAft>
+                <a:spcPts val="0"/>
+              </a:spcAft>
+            </a:pPr>
+            <a:r>
+              <a:rPr lang="en-US" sz="1800" dirty="0">
+                <a:solidFill>
+                  <a:srgbClr val="000000"/>
+                </a:solidFill>
+                <a:effectLst/>
+                <a:latin typeface="Helvetica Neue" panose="02000503000000020004" pitchFamily="2" charset="0"/>
+                <a:ea typeface="Times New Roman" panose="02020603050405020304" pitchFamily="18" charset="0"/>
+              </a:rPr>
+              <a:t>The overall accuracy of the model is 0.54, meaning it correctly predicts the brewery type 54% of the time across all predictions.</a:t>
+            </a:r>
+            <a:endParaRPr lang="en-US" sz="1800" dirty="0">
+              <a:effectLst/>
+              <a:latin typeface="Times New Roman" panose="02020603050405020304" pitchFamily="18" charset="0"/>
+              <a:ea typeface="Times New Roman" panose="02020603050405020304" pitchFamily="18" charset="0"/>
+            </a:endParaRPr>
+          </a:p>
           <a:p>
             <a:pPr marL="0" marR="0" algn="just">
               <a:spcBef>
@@ -4240,113 +4236,68 @@
                 <a:spcPts val="2000"/>
               </a:spcAft>
             </a:pPr>
-            <a:r>
-              <a:rPr lang="en-US" sz="1800" dirty="0">
+            <a:endParaRPr lang="en-US" dirty="0"/>
+          </a:p>
+        </p:txBody>
+      </p:sp>
+      <p:sp>
+        <p:nvSpPr>
+          <p:cNvPr id="7" name="Title 1">
+            <a:extLst>
+              <a:ext uri="{FF2B5EF4-FFF2-40B4-BE49-F238E27FC236}">
+                <a16:creationId xmlns:a16="http://schemas.microsoft.com/office/drawing/2014/main" id="{61043663-AC19-8F04-85F5-941EDAA8F1D4}"/>
+              </a:ext>
+            </a:extLst>
+          </p:cNvPr>
+          <p:cNvSpPr txBox="1">
+            <a:spLocks/>
+          </p:cNvSpPr>
+          <p:nvPr/>
+        </p:nvSpPr>
+        <p:spPr>
+          <a:xfrm>
+            <a:off x="990600" y="517525"/>
+            <a:ext cx="10515600" cy="1325563"/>
+          </a:xfrm>
+          <a:prstGeom prst="rect">
+            <a:avLst/>
+          </a:prstGeom>
+        </p:spPr>
+        <p:txBody>
+          <a:bodyPr vert="horz" lIns="91440" tIns="45720" rIns="91440" bIns="45720" rtlCol="0" anchor="ctr">
+            <a:normAutofit/>
+          </a:bodyPr>
+          <a:lstStyle>
+            <a:lvl1pPr algn="l" defTabSz="914400" rtl="0" eaLnBrk="1" latinLnBrk="0" hangingPunct="1">
+              <a:lnSpc>
+                <a:spcPct val="90000"/>
+              </a:lnSpc>
+              <a:spcBef>
+                <a:spcPct val="0"/>
+              </a:spcBef>
+              <a:buNone/>
+              <a:defRPr sz="4400" kern="1200">
+                <a:solidFill>
+                  <a:schemeClr val="tx1"/>
+                </a:solidFill>
+                <a:latin typeface="+mj-lt"/>
+                <a:ea typeface="+mj-ea"/>
+                <a:cs typeface="+mj-cs"/>
+              </a:defRPr>
+            </a:lvl1pPr>
+          </a:lstStyle>
+          <a:p>
+            <a:r>
+              <a:rPr lang="en-US" b="1" dirty="0">
                 <a:solidFill>
                   <a:srgbClr val="000000"/>
                 </a:solidFill>
-                <a:effectLst/>
                 <a:latin typeface="Times New Roman" panose="02020603050405020304" pitchFamily="18" charset="0"/>
                 <a:ea typeface="Calibri" panose="020F0502020204030204" pitchFamily="34" charset="0"/>
                 <a:cs typeface="Times New Roman" panose="02020603050405020304" pitchFamily="18" charset="0"/>
               </a:rPr>
-              <a:t>Focus Regions: Concentrate on the Mountain West and Southeast regions for expansion due to diverse markets and untapped potential.</a:t>
-            </a:r>
-            <a:endParaRPr lang="en-US" sz="1800" dirty="0">
-              <a:effectLst/>
-              <a:latin typeface="Calibri" panose="020F0502020204030204" pitchFamily="34" charset="0"/>
-              <a:ea typeface="Calibri" panose="020F0502020204030204" pitchFamily="34" charset="0"/>
-              <a:cs typeface="Times New Roman" panose="02020603050405020304" pitchFamily="18" charset="0"/>
-            </a:endParaRPr>
-          </a:p>
-          <a:p>
-            <a:pPr marL="0" marR="0" algn="just">
-              <a:spcBef>
-                <a:spcPts val="0"/>
-              </a:spcBef>
-              <a:spcAft>
-                <a:spcPts val="2000"/>
-              </a:spcAft>
-            </a:pPr>
-            <a:r>
-              <a:rPr lang="en-US" sz="1800" dirty="0">
-                <a:solidFill>
-                  <a:srgbClr val="000000"/>
-                </a:solidFill>
-                <a:effectLst/>
-                <a:latin typeface="Times New Roman" panose="02020603050405020304" pitchFamily="18" charset="0"/>
-                <a:ea typeface="Calibri" panose="020F0502020204030204" pitchFamily="34" charset="0"/>
-                <a:cs typeface="Times New Roman" panose="02020603050405020304" pitchFamily="18" charset="0"/>
-              </a:rPr>
-              <a:t>Urban Expansion: Target populous cities with fewer breweries like Omaha and Nashville for market penetration.</a:t>
-            </a:r>
-            <a:endParaRPr lang="en-US" sz="1800" dirty="0">
-              <a:effectLst/>
-              <a:latin typeface="Calibri" panose="020F0502020204030204" pitchFamily="34" charset="0"/>
-              <a:ea typeface="Calibri" panose="020F0502020204030204" pitchFamily="34" charset="0"/>
-              <a:cs typeface="Times New Roman" panose="02020603050405020304" pitchFamily="18" charset="0"/>
-            </a:endParaRPr>
-          </a:p>
-          <a:p>
-            <a:pPr marL="0" marR="0" algn="just">
-              <a:spcBef>
-                <a:spcPts val="0"/>
-              </a:spcBef>
-              <a:spcAft>
-                <a:spcPts val="2000"/>
-              </a:spcAft>
-            </a:pPr>
-            <a:r>
-              <a:rPr lang="en-US" sz="1800" dirty="0">
-                <a:solidFill>
-                  <a:srgbClr val="000000"/>
-                </a:solidFill>
-                <a:effectLst/>
-                <a:latin typeface="Times New Roman" panose="02020603050405020304" pitchFamily="18" charset="0"/>
-                <a:ea typeface="Calibri" panose="020F0502020204030204" pitchFamily="34" charset="0"/>
-                <a:cs typeface="Times New Roman" panose="02020603050405020304" pitchFamily="18" charset="0"/>
-              </a:rPr>
-              <a:t>Growing Cities Strategy: Explore markets in growing cities known for specific attributes like Frederick and Norman.</a:t>
-            </a:r>
-            <a:endParaRPr lang="en-US" sz="1800" dirty="0">
-              <a:effectLst/>
-              <a:latin typeface="Calibri" panose="020F0502020204030204" pitchFamily="34" charset="0"/>
-              <a:ea typeface="Calibri" panose="020F0502020204030204" pitchFamily="34" charset="0"/>
-              <a:cs typeface="Times New Roman" panose="02020603050405020304" pitchFamily="18" charset="0"/>
-            </a:endParaRPr>
-          </a:p>
-          <a:p>
-            <a:pPr marL="0" marR="0" algn="just">
-              <a:spcBef>
-                <a:spcPts val="0"/>
-              </a:spcBef>
-              <a:spcAft>
-                <a:spcPts val="2000"/>
-              </a:spcAft>
-            </a:pPr>
-            <a:r>
-              <a:rPr lang="en-US" sz="1800" dirty="0">
-                <a:solidFill>
-                  <a:srgbClr val="000000"/>
-                </a:solidFill>
-                <a:effectLst/>
-                <a:latin typeface="Times New Roman" panose="02020603050405020304" pitchFamily="18" charset="0"/>
-                <a:ea typeface="Calibri" panose="020F0502020204030204" pitchFamily="34" charset="0"/>
-                <a:cs typeface="Times New Roman" panose="02020603050405020304" pitchFamily="18" charset="0"/>
-              </a:rPr>
-              <a:t>Digital Engagement: Emphasize online presence and digital strategies for market reach and competitiveness.</a:t>
-            </a:r>
-            <a:endParaRPr lang="en-US" sz="1800" dirty="0">
-              <a:effectLst/>
-              <a:latin typeface="Calibri" panose="020F0502020204030204" pitchFamily="34" charset="0"/>
-              <a:ea typeface="Calibri" panose="020F0502020204030204" pitchFamily="34" charset="0"/>
-              <a:cs typeface="Times New Roman" panose="02020603050405020304" pitchFamily="18" charset="0"/>
-            </a:endParaRPr>
-          </a:p>
-          <a:p>
-            <a:pPr marL="0" indent="0">
-              <a:buNone/>
-            </a:pPr>
+              <a:t>Methodology</a:t>
+            </a:r>
             <a:endParaRPr lang="en-US" dirty="0"/>
           </a:p>
         </p:txBody>
@@ -4354,7 +4305,7 @@
     </p:spTree>
     <p:extLst>
       <p:ext uri="{BB962C8B-B14F-4D97-AF65-F5344CB8AC3E}">
-        <p14:creationId xmlns:p14="http://schemas.microsoft.com/office/powerpoint/2010/main" val="1032390420"/>
+        <p14:creationId xmlns:p14="http://schemas.microsoft.com/office/powerpoint/2010/main" val="2072594724"/>
       </p:ext>
     </p:extLst>
   </p:cSld>
@@ -4386,7 +4337,7 @@
           <p:cNvPr id="2" name="Title 1">
             <a:extLst>
               <a:ext uri="{FF2B5EF4-FFF2-40B4-BE49-F238E27FC236}">
-                <a16:creationId xmlns:a16="http://schemas.microsoft.com/office/drawing/2014/main" id="{E475E7A4-1BEC-95C8-6E76-D18475DC1B81}"/>
+                <a16:creationId xmlns:a16="http://schemas.microsoft.com/office/drawing/2014/main" id="{6C8C564E-C502-F484-4E79-26C599BEBC59}"/>
               </a:ext>
             </a:extLst>
           </p:cNvPr>
@@ -4403,49 +4354,7 @@
           <a:lstStyle/>
           <a:p>
             <a:r>
-              <a:rPr lang="en-US" sz="1800" b="1" dirty="0">
-                <a:solidFill>
-                  <a:srgbClr val="000000"/>
-                </a:solidFill>
-                <a:effectLst/>
-                <a:latin typeface="Times New Roman" panose="02020603050405020304" pitchFamily="18" charset="0"/>
-                <a:ea typeface="Calibri" panose="020F0502020204030204" pitchFamily="34" charset="0"/>
-              </a:rPr>
-              <a:t>Conclusion</a:t>
-            </a:r>
-            <a:r>
-              <a:rPr lang="en-US" dirty="0">
-                <a:effectLst/>
-              </a:rPr>
-              <a:t> </a:t>
-            </a:r>
-            <a:endParaRPr lang="en-US" dirty="0"/>
-          </a:p>
-        </p:txBody>
-      </p:sp>
-      <p:sp>
-        <p:nvSpPr>
-          <p:cNvPr id="3" name="Content Placeholder 2">
-            <a:extLst>
-              <a:ext uri="{FF2B5EF4-FFF2-40B4-BE49-F238E27FC236}">
-                <a16:creationId xmlns:a16="http://schemas.microsoft.com/office/drawing/2014/main" id="{F3BE6210-DE8E-AF51-A9CC-6F0C27B7FE92}"/>
-              </a:ext>
-            </a:extLst>
-          </p:cNvPr>
-          <p:cNvSpPr>
-            <a:spLocks noGrp="1"/>
-          </p:cNvSpPr>
-          <p:nvPr>
-            <p:ph idx="1"/>
-          </p:nvPr>
-        </p:nvSpPr>
-        <p:spPr/>
-        <p:txBody>
-          <a:bodyPr/>
-          <a:lstStyle/>
-          <a:p>
-            <a:r>
-              <a:rPr lang="en-US" sz="1800" dirty="0">
+              <a:rPr lang="en-US" sz="4400" b="1" dirty="0">
                 <a:solidFill>
                   <a:srgbClr val="000000"/>
                 </a:solidFill>
@@ -4454,19 +4363,54 @@
                 <a:ea typeface="Calibri" panose="020F0502020204030204" pitchFamily="34" charset="0"/>
                 <a:cs typeface="Times New Roman" panose="02020603050405020304" pitchFamily="18" charset="0"/>
               </a:rPr>
-              <a:t>The analysis identifies patterns in brewery distribution, emphasizes correlations with population and urban-rural settings, and pinpoints potential expansion regions. Leveraging these insights will enable the beverage distribution company to strategically expand its market presence and capitalize on emerging opportunities in the brewery industry.</a:t>
-            </a:r>
-            <a:r>
-              <a:rPr lang="en-US" sz="1800" dirty="0">
-                <a:solidFill>
-                  <a:srgbClr val="374151"/>
+              <a:t>Analytical Insights</a:t>
+            </a:r>
+            <a:endParaRPr lang="en-US" dirty="0"/>
+          </a:p>
+        </p:txBody>
+      </p:sp>
+      <p:sp>
+        <p:nvSpPr>
+          <p:cNvPr id="3" name="Content Placeholder 2">
+            <a:extLst>
+              <a:ext uri="{FF2B5EF4-FFF2-40B4-BE49-F238E27FC236}">
+                <a16:creationId xmlns:a16="http://schemas.microsoft.com/office/drawing/2014/main" id="{7E3D203A-2D9B-D587-1B8D-AF4125296F93}"/>
+              </a:ext>
+            </a:extLst>
+          </p:cNvPr>
+          <p:cNvSpPr>
+            <a:spLocks noGrp="1"/>
+          </p:cNvSpPr>
+          <p:nvPr>
+            <p:ph idx="1"/>
+          </p:nvPr>
+        </p:nvSpPr>
+        <p:spPr/>
+        <p:txBody>
+          <a:bodyPr>
+            <a:normAutofit fontScale="92500" lnSpcReduction="20000"/>
+          </a:bodyPr>
+          <a:lstStyle/>
+          <a:p>
+            <a:pPr marL="0" marR="0" algn="just">
+              <a:spcBef>
+                <a:spcPts val="0"/>
+              </a:spcBef>
+              <a:spcAft>
+                <a:spcPts val="2000"/>
+              </a:spcAft>
+            </a:pPr>
+            <a:r>
+              <a:rPr lang="en-US" sz="1800" b="1" dirty="0">
+                <a:solidFill>
+                  <a:srgbClr val="000000"/>
                 </a:solidFill>
                 <a:effectLst/>
-                <a:latin typeface="Calibri" panose="020F0502020204030204" pitchFamily="34" charset="0"/>
+                <a:latin typeface="Times New Roman" panose="02020603050405020304" pitchFamily="18" charset="0"/>
                 <a:ea typeface="Calibri" panose="020F0502020204030204" pitchFamily="34" charset="0"/>
                 <a:cs typeface="Times New Roman" panose="02020603050405020304" pitchFamily="18" charset="0"/>
               </a:rPr>
-              <a:t> From brewing parameters that shape product quality to navigating market dynamics and embracing innovation, craft breweries have a wealth of opportunities for growth. By staying attuned to consumer preferences, fostering community engagement, and maintaining a commitment to quality, craft brewers can continue to carve their niche in this dynamic industry.</a:t>
+              <a:t>Urban-Rural Analysis</a:t>
             </a:r>
             <a:endParaRPr lang="en-US" sz="1800" dirty="0">
               <a:effectLst/>
@@ -4474,6 +4418,966 @@
               <a:ea typeface="Calibri" panose="020F0502020204030204" pitchFamily="34" charset="0"/>
               <a:cs typeface="Times New Roman" panose="02020603050405020304" pitchFamily="18" charset="0"/>
             </a:endParaRPr>
+          </a:p>
+          <a:p>
+            <a:pPr marL="0" marR="0" algn="just">
+              <a:spcBef>
+                <a:spcPts val="0"/>
+              </a:spcBef>
+              <a:spcAft>
+                <a:spcPts val="2000"/>
+              </a:spcAft>
+            </a:pPr>
+            <a:r>
+              <a:rPr lang="en-US" sz="1800" dirty="0">
+                <a:solidFill>
+                  <a:srgbClr val="000000"/>
+                </a:solidFill>
+                <a:effectLst/>
+                <a:latin typeface="Times New Roman" panose="02020603050405020304" pitchFamily="18" charset="0"/>
+                <a:ea typeface="Calibri" panose="020F0502020204030204" pitchFamily="34" charset="0"/>
+                <a:cs typeface="Times New Roman" panose="02020603050405020304" pitchFamily="18" charset="0"/>
+              </a:rPr>
+              <a:t>Identified Urban Regions: Highlighted major populous cities with fewer breweries, pinpointing expansion opportunities. Cities like Omaha, Honolulu, and Nashville have fewer than 50 breweries each, indicating potential for growth.</a:t>
+            </a:r>
+            <a:endParaRPr lang="en-US" sz="1800" dirty="0">
+              <a:effectLst/>
+              <a:latin typeface="Calibri" panose="020F0502020204030204" pitchFamily="34" charset="0"/>
+              <a:ea typeface="Calibri" panose="020F0502020204030204" pitchFamily="34" charset="0"/>
+              <a:cs typeface="Times New Roman" panose="02020603050405020304" pitchFamily="18" charset="0"/>
+            </a:endParaRPr>
+          </a:p>
+          <a:p>
+            <a:pPr marL="0" marR="0" algn="just">
+              <a:spcBef>
+                <a:spcPts val="0"/>
+              </a:spcBef>
+              <a:spcAft>
+                <a:spcPts val="2000"/>
+              </a:spcAft>
+            </a:pPr>
+            <a:r>
+              <a:rPr lang="en-US" sz="1800" dirty="0">
+                <a:solidFill>
+                  <a:srgbClr val="000000"/>
+                </a:solidFill>
+                <a:effectLst/>
+                <a:latin typeface="Times New Roman" panose="02020603050405020304" pitchFamily="18" charset="0"/>
+                <a:ea typeface="Calibri" panose="020F0502020204030204" pitchFamily="34" charset="0"/>
+                <a:cs typeface="Times New Roman" panose="02020603050405020304" pitchFamily="18" charset="0"/>
+              </a:rPr>
+              <a:t>Growing Cities: Highlighted cities like Frederick, Conway, and Norman, known for specific attributes, presenting opportunities for brewery market expansion.</a:t>
+            </a:r>
+            <a:endParaRPr lang="en-US" sz="1800" dirty="0">
+              <a:effectLst/>
+              <a:latin typeface="Calibri" panose="020F0502020204030204" pitchFamily="34" charset="0"/>
+              <a:ea typeface="Calibri" panose="020F0502020204030204" pitchFamily="34" charset="0"/>
+              <a:cs typeface="Times New Roman" panose="02020603050405020304" pitchFamily="18" charset="0"/>
+            </a:endParaRPr>
+          </a:p>
+          <a:p>
+            <a:pPr marL="0" marR="0" algn="just">
+              <a:spcBef>
+                <a:spcPts val="0"/>
+              </a:spcBef>
+              <a:spcAft>
+                <a:spcPts val="2000"/>
+              </a:spcAft>
+            </a:pPr>
+            <a:r>
+              <a:rPr lang="en-US" sz="1800" b="1" dirty="0">
+                <a:solidFill>
+                  <a:srgbClr val="000000"/>
+                </a:solidFill>
+                <a:effectLst/>
+                <a:latin typeface="Times New Roman" panose="02020603050405020304" pitchFamily="18" charset="0"/>
+                <a:ea typeface="Calibri" panose="020F0502020204030204" pitchFamily="34" charset="0"/>
+                <a:cs typeface="Times New Roman" panose="02020603050405020304" pitchFamily="18" charset="0"/>
+              </a:rPr>
+              <a:t>Population Correlation</a:t>
+            </a:r>
+            <a:endParaRPr lang="en-US" sz="1800" dirty="0">
+              <a:effectLst/>
+              <a:latin typeface="Calibri" panose="020F0502020204030204" pitchFamily="34" charset="0"/>
+              <a:ea typeface="Calibri" panose="020F0502020204030204" pitchFamily="34" charset="0"/>
+              <a:cs typeface="Times New Roman" panose="02020603050405020304" pitchFamily="18" charset="0"/>
+            </a:endParaRPr>
+          </a:p>
+          <a:p>
+            <a:pPr marL="0" marR="0" algn="just">
+              <a:spcBef>
+                <a:spcPts val="0"/>
+              </a:spcBef>
+              <a:spcAft>
+                <a:spcPts val="2000"/>
+              </a:spcAft>
+            </a:pPr>
+            <a:r>
+              <a:rPr lang="en-US" sz="1800" dirty="0">
+                <a:solidFill>
+                  <a:srgbClr val="000000"/>
+                </a:solidFill>
+                <a:effectLst/>
+                <a:latin typeface="Times New Roman" panose="02020603050405020304" pitchFamily="18" charset="0"/>
+                <a:ea typeface="Calibri" panose="020F0502020204030204" pitchFamily="34" charset="0"/>
+                <a:cs typeface="Times New Roman" panose="02020603050405020304" pitchFamily="18" charset="0"/>
+              </a:rPr>
+              <a:t>Correlation Analysis: Demonstrated a direct relationship between population size and brewery concentration. Higher population areas tend to host more breweries, emphasizing the influence of population on brewery distribution.</a:t>
+            </a:r>
+            <a:endParaRPr lang="en-US" sz="1800" dirty="0">
+              <a:effectLst/>
+              <a:latin typeface="Calibri" panose="020F0502020204030204" pitchFamily="34" charset="0"/>
+              <a:ea typeface="Calibri" panose="020F0502020204030204" pitchFamily="34" charset="0"/>
+              <a:cs typeface="Times New Roman" panose="02020603050405020304" pitchFamily="18" charset="0"/>
+            </a:endParaRPr>
+          </a:p>
+          <a:p>
+            <a:pPr marL="0" marR="0" algn="just">
+              <a:spcBef>
+                <a:spcPts val="0"/>
+              </a:spcBef>
+              <a:spcAft>
+                <a:spcPts val="2000"/>
+              </a:spcAft>
+            </a:pPr>
+            <a:r>
+              <a:rPr lang="en-US" sz="1800" b="1" dirty="0">
+                <a:solidFill>
+                  <a:srgbClr val="000000"/>
+                </a:solidFill>
+                <a:effectLst/>
+                <a:latin typeface="Times New Roman" panose="02020603050405020304" pitchFamily="18" charset="0"/>
+                <a:ea typeface="Calibri" panose="020F0502020204030204" pitchFamily="34" charset="0"/>
+                <a:cs typeface="Times New Roman" panose="02020603050405020304" pitchFamily="18" charset="0"/>
+              </a:rPr>
+              <a:t>Online Presence</a:t>
+            </a:r>
+            <a:endParaRPr lang="en-US" sz="1800" dirty="0">
+              <a:effectLst/>
+              <a:latin typeface="Calibri" panose="020F0502020204030204" pitchFamily="34" charset="0"/>
+              <a:ea typeface="Calibri" panose="020F0502020204030204" pitchFamily="34" charset="0"/>
+              <a:cs typeface="Times New Roman" panose="02020603050405020304" pitchFamily="18" charset="0"/>
+            </a:endParaRPr>
+          </a:p>
+          <a:p>
+            <a:pPr marL="0" marR="0" algn="just">
+              <a:spcBef>
+                <a:spcPts val="0"/>
+              </a:spcBef>
+              <a:spcAft>
+                <a:spcPts val="2000"/>
+              </a:spcAft>
+            </a:pPr>
+            <a:r>
+              <a:rPr lang="en-US" sz="1800" dirty="0">
+                <a:solidFill>
+                  <a:srgbClr val="000000"/>
+                </a:solidFill>
+                <a:effectLst/>
+                <a:latin typeface="Times New Roman" panose="02020603050405020304" pitchFamily="18" charset="0"/>
+                <a:ea typeface="Calibri" panose="020F0502020204030204" pitchFamily="34" charset="0"/>
+                <a:cs typeface="Times New Roman" panose="02020603050405020304" pitchFamily="18" charset="0"/>
+              </a:rPr>
+              <a:t>Digital Engagement: Found that 99.7% of breweries have an online presence, emphasizing the importance of websites for engagement and market reach in the industry.</a:t>
+            </a:r>
+            <a:endParaRPr lang="en-US" sz="1800" dirty="0">
+              <a:effectLst/>
+              <a:latin typeface="Calibri" panose="020F0502020204030204" pitchFamily="34" charset="0"/>
+              <a:ea typeface="Calibri" panose="020F0502020204030204" pitchFamily="34" charset="0"/>
+              <a:cs typeface="Times New Roman" panose="02020603050405020304" pitchFamily="18" charset="0"/>
+            </a:endParaRPr>
+          </a:p>
+          <a:p>
+            <a:endParaRPr lang="en-US" dirty="0"/>
+          </a:p>
+        </p:txBody>
+      </p:sp>
+    </p:spTree>
+    <p:extLst>
+      <p:ext uri="{BB962C8B-B14F-4D97-AF65-F5344CB8AC3E}">
+        <p14:creationId xmlns:p14="http://schemas.microsoft.com/office/powerpoint/2010/main" val="3454261189"/>
+      </p:ext>
+    </p:extLst>
+  </p:cSld>
+  <p:clrMapOvr>
+    <a:masterClrMapping/>
+  </p:clrMapOvr>
+</p:sld>
+</file>
+
+<file path=ppt/slides/slide7.xml><?xml version="1.0" encoding="utf-8"?>
+<p:sld xmlns:a="http://schemas.openxmlformats.org/drawingml/2006/main" xmlns:r="http://schemas.openxmlformats.org/officeDocument/2006/relationships" xmlns:p="http://schemas.openxmlformats.org/presentationml/2006/main">
+  <p:cSld>
+    <p:bg>
+      <p:bgPr>
+        <a:solidFill>
+          <a:schemeClr val="bg1"/>
+        </a:solidFill>
+        <a:effectLst/>
+      </p:bgPr>
+    </p:bg>
+    <p:spTree>
+      <p:nvGrpSpPr>
+        <p:cNvPr id="1" name=""/>
+        <p:cNvGrpSpPr/>
+        <p:nvPr/>
+      </p:nvGrpSpPr>
+      <p:grpSpPr>
+        <a:xfrm>
+          <a:off x="0" y="0"/>
+          <a:ext cx="0" cy="0"/>
+          <a:chOff x="0" y="0"/>
+          <a:chExt cx="0" cy="0"/>
+        </a:xfrm>
+      </p:grpSpPr>
+      <p:pic>
+        <p:nvPicPr>
+          <p:cNvPr id="1026" name="Picture 2">
+            <a:extLst>
+              <a:ext uri="{FF2B5EF4-FFF2-40B4-BE49-F238E27FC236}">
+                <a16:creationId xmlns:a16="http://schemas.microsoft.com/office/drawing/2014/main" id="{49A5BDD0-A4F7-5A2C-45AF-4B1EA70B14F4}"/>
+              </a:ext>
+            </a:extLst>
+          </p:cNvPr>
+          <p:cNvPicPr>
+            <a:picLocks noGrp="1" noChangeAspect="1" noChangeArrowheads="1"/>
+          </p:cNvPicPr>
+          <p:nvPr>
+            <p:ph idx="1"/>
+          </p:nvPr>
+        </p:nvPicPr>
+        <p:blipFill>
+          <a:blip r:embed="rId2">
+            <a:extLst>
+              <a:ext uri="{28A0092B-C50C-407E-A947-70E740481C1C}">
+                <a14:useLocalDpi xmlns:a14="http://schemas.microsoft.com/office/drawing/2010/main" val="0"/>
+              </a:ext>
+            </a:extLst>
+          </a:blip>
+          <a:srcRect/>
+          <a:stretch>
+            <a:fillRect/>
+          </a:stretch>
+        </p:blipFill>
+        <p:spPr bwMode="auto">
+          <a:xfrm>
+            <a:off x="4038600" y="1403350"/>
+            <a:ext cx="3581400" cy="2243138"/>
+          </a:xfrm>
+          <a:prstGeom prst="rect">
+            <a:avLst/>
+          </a:prstGeom>
+          <a:extLst>
+            <a:ext uri="{909E8E84-426E-40DD-AFC4-6F175D3DCCD1}">
+              <a14:hiddenFill xmlns:a14="http://schemas.microsoft.com/office/drawing/2010/main">
+                <a:solidFill>
+                  <a:srgbClr val="FFFFFF"/>
+                </a:solidFill>
+              </a14:hiddenFill>
+            </a:ext>
+          </a:extLst>
+        </p:spPr>
+      </p:pic>
+      <p:pic>
+        <p:nvPicPr>
+          <p:cNvPr id="1032" name="Picture 8">
+            <a:extLst>
+              <a:ext uri="{FF2B5EF4-FFF2-40B4-BE49-F238E27FC236}">
+                <a16:creationId xmlns:a16="http://schemas.microsoft.com/office/drawing/2014/main" id="{61986081-A256-8375-8E7E-B4B0EA869DC7}"/>
+              </a:ext>
+            </a:extLst>
+          </p:cNvPr>
+          <p:cNvPicPr>
+            <a:picLocks noChangeAspect="1" noChangeArrowheads="1"/>
+          </p:cNvPicPr>
+          <p:nvPr/>
+        </p:nvPicPr>
+        <p:blipFill>
+          <a:blip r:embed="rId3">
+            <a:extLst>
+              <a:ext uri="{28A0092B-C50C-407E-A947-70E740481C1C}">
+                <a14:useLocalDpi xmlns:a14="http://schemas.microsoft.com/office/drawing/2010/main" val="0"/>
+              </a:ext>
+            </a:extLst>
+          </a:blip>
+          <a:srcRect/>
+          <a:stretch>
+            <a:fillRect/>
+          </a:stretch>
+        </p:blipFill>
+        <p:spPr bwMode="auto">
+          <a:xfrm>
+            <a:off x="7669213" y="1403350"/>
+            <a:ext cx="3556000" cy="2243138"/>
+          </a:xfrm>
+          <a:prstGeom prst="rect">
+            <a:avLst/>
+          </a:prstGeom>
+          <a:extLst>
+            <a:ext uri="{909E8E84-426E-40DD-AFC4-6F175D3DCCD1}">
+              <a14:hiddenFill xmlns:a14="http://schemas.microsoft.com/office/drawing/2010/main">
+                <a:solidFill>
+                  <a:srgbClr val="FFFFFF"/>
+                </a:solidFill>
+              </a14:hiddenFill>
+            </a:ext>
+          </a:extLst>
+        </p:spPr>
+      </p:pic>
+      <p:pic>
+        <p:nvPicPr>
+          <p:cNvPr id="1030" name="Picture 6">
+            <a:extLst>
+              <a:ext uri="{FF2B5EF4-FFF2-40B4-BE49-F238E27FC236}">
+                <a16:creationId xmlns:a16="http://schemas.microsoft.com/office/drawing/2014/main" id="{76E5D10B-EEE9-0F14-66EE-8BCED6DD0C16}"/>
+              </a:ext>
+            </a:extLst>
+          </p:cNvPr>
+          <p:cNvPicPr>
+            <a:picLocks noChangeAspect="1" noChangeArrowheads="1"/>
+          </p:cNvPicPr>
+          <p:nvPr/>
+        </p:nvPicPr>
+        <p:blipFill>
+          <a:blip r:embed="rId4">
+            <a:extLst>
+              <a:ext uri="{28A0092B-C50C-407E-A947-70E740481C1C}">
+                <a14:useLocalDpi xmlns:a14="http://schemas.microsoft.com/office/drawing/2010/main" val="0"/>
+              </a:ext>
+            </a:extLst>
+          </a:blip>
+          <a:srcRect/>
+          <a:stretch>
+            <a:fillRect/>
+          </a:stretch>
+        </p:blipFill>
+        <p:spPr bwMode="auto">
+          <a:xfrm>
+            <a:off x="4038600" y="3695700"/>
+            <a:ext cx="3895725" cy="1752600"/>
+          </a:xfrm>
+          <a:prstGeom prst="rect">
+            <a:avLst/>
+          </a:prstGeom>
+          <a:extLst>
+            <a:ext uri="{909E8E84-426E-40DD-AFC4-6F175D3DCCD1}">
+              <a14:hiddenFill xmlns:a14="http://schemas.microsoft.com/office/drawing/2010/main">
+                <a:solidFill>
+                  <a:srgbClr val="FFFFFF"/>
+                </a:solidFill>
+              </a14:hiddenFill>
+            </a:ext>
+          </a:extLst>
+        </p:spPr>
+      </p:pic>
+      <p:pic>
+        <p:nvPicPr>
+          <p:cNvPr id="1028" name="Picture 4">
+            <a:extLst>
+              <a:ext uri="{FF2B5EF4-FFF2-40B4-BE49-F238E27FC236}">
+                <a16:creationId xmlns:a16="http://schemas.microsoft.com/office/drawing/2014/main" id="{B5E3290C-8610-F390-F77E-34D363F330A9}"/>
+              </a:ext>
+            </a:extLst>
+          </p:cNvPr>
+          <p:cNvPicPr>
+            <a:picLocks noChangeAspect="1" noChangeArrowheads="1"/>
+          </p:cNvPicPr>
+          <p:nvPr/>
+        </p:nvPicPr>
+        <p:blipFill>
+          <a:blip r:embed="rId5">
+            <a:extLst>
+              <a:ext uri="{28A0092B-C50C-407E-A947-70E740481C1C}">
+                <a14:useLocalDpi xmlns:a14="http://schemas.microsoft.com/office/drawing/2010/main" val="0"/>
+              </a:ext>
+            </a:extLst>
+          </a:blip>
+          <a:srcRect/>
+          <a:stretch>
+            <a:fillRect/>
+          </a:stretch>
+        </p:blipFill>
+        <p:spPr bwMode="auto">
+          <a:xfrm>
+            <a:off x="7983538" y="3695700"/>
+            <a:ext cx="3241675" cy="1752600"/>
+          </a:xfrm>
+          <a:prstGeom prst="rect">
+            <a:avLst/>
+          </a:prstGeom>
+          <a:extLst>
+            <a:ext uri="{909E8E84-426E-40DD-AFC4-6F175D3DCCD1}">
+              <a14:hiddenFill xmlns:a14="http://schemas.microsoft.com/office/drawing/2010/main">
+                <a:solidFill>
+                  <a:srgbClr val="FFFFFF"/>
+                </a:solidFill>
+              </a14:hiddenFill>
+            </a:ext>
+          </a:extLst>
+        </p:spPr>
+      </p:pic>
+      <p:sp>
+        <p:nvSpPr>
+          <p:cNvPr id="2" name="Title 1">
+            <a:extLst>
+              <a:ext uri="{FF2B5EF4-FFF2-40B4-BE49-F238E27FC236}">
+                <a16:creationId xmlns:a16="http://schemas.microsoft.com/office/drawing/2014/main" id="{D98E4E73-0F2E-71BB-5747-2A292C0EDD92}"/>
+              </a:ext>
+            </a:extLst>
+          </p:cNvPr>
+          <p:cNvSpPr>
+            <a:spLocks noGrp="1"/>
+          </p:cNvSpPr>
+          <p:nvPr>
+            <p:ph type="title"/>
+          </p:nvPr>
+        </p:nvSpPr>
+        <p:spPr>
+          <a:xfrm>
+            <a:off x="640080" y="2074363"/>
+            <a:ext cx="2752354" cy="2709275"/>
+          </a:xfrm>
+          <a:prstGeom prst="ellipse">
+            <a:avLst/>
+          </a:prstGeom>
+          <a:solidFill>
+            <a:schemeClr val="tx1">
+              <a:lumMod val="85000"/>
+              <a:lumOff val="15000"/>
+            </a:schemeClr>
+          </a:solidFill>
+          <a:ln w="174625" cmpd="thinThick">
+            <a:solidFill>
+              <a:schemeClr val="tx1">
+                <a:lumMod val="85000"/>
+                <a:lumOff val="15000"/>
+              </a:schemeClr>
+            </a:solidFill>
+          </a:ln>
+        </p:spPr>
+        <p:txBody>
+          <a:bodyPr vert="horz" lIns="91440" tIns="45720" rIns="91440" bIns="45720" rtlCol="0" anchor="ctr">
+            <a:normAutofit/>
+          </a:bodyPr>
+          <a:lstStyle/>
+          <a:p>
+            <a:pPr algn="ctr"/>
+            <a:r>
+              <a:rPr lang="en-US" sz="2600" kern="1200">
+                <a:solidFill>
+                  <a:schemeClr val="bg1"/>
+                </a:solidFill>
+                <a:latin typeface="+mj-lt"/>
+                <a:ea typeface="+mj-ea"/>
+                <a:cs typeface="+mj-cs"/>
+              </a:rPr>
+              <a:t>Visuals</a:t>
+            </a:r>
+          </a:p>
+        </p:txBody>
+      </p:sp>
+    </p:spTree>
+    <p:extLst>
+      <p:ext uri="{BB962C8B-B14F-4D97-AF65-F5344CB8AC3E}">
+        <p14:creationId xmlns:p14="http://schemas.microsoft.com/office/powerpoint/2010/main" val="1828005507"/>
+      </p:ext>
+    </p:extLst>
+  </p:cSld>
+  <p:clrMapOvr>
+    <a:masterClrMapping/>
+  </p:clrMapOvr>
+</p:sld>
+</file>
+
+<file path=ppt/slides/slide8.xml><?xml version="1.0" encoding="utf-8"?>
+<p:sld xmlns:a="http://schemas.openxmlformats.org/drawingml/2006/main" xmlns:r="http://schemas.openxmlformats.org/officeDocument/2006/relationships" xmlns:p="http://schemas.openxmlformats.org/presentationml/2006/main">
+  <p:cSld>
+    <p:spTree>
+      <p:nvGrpSpPr>
+        <p:cNvPr id="1" name=""/>
+        <p:cNvGrpSpPr/>
+        <p:nvPr/>
+      </p:nvGrpSpPr>
+      <p:grpSpPr>
+        <a:xfrm>
+          <a:off x="0" y="0"/>
+          <a:ext cx="0" cy="0"/>
+          <a:chOff x="0" y="0"/>
+          <a:chExt cx="0" cy="0"/>
+        </a:xfrm>
+      </p:grpSpPr>
+      <p:sp>
+        <p:nvSpPr>
+          <p:cNvPr id="2" name="Title 1">
+            <a:extLst>
+              <a:ext uri="{FF2B5EF4-FFF2-40B4-BE49-F238E27FC236}">
+                <a16:creationId xmlns:a16="http://schemas.microsoft.com/office/drawing/2014/main" id="{ED85E9F3-42EA-E695-451C-682393CECF50}"/>
+              </a:ext>
+            </a:extLst>
+          </p:cNvPr>
+          <p:cNvSpPr>
+            <a:spLocks noGrp="1"/>
+          </p:cNvSpPr>
+          <p:nvPr>
+            <p:ph type="title"/>
+          </p:nvPr>
+        </p:nvSpPr>
+        <p:spPr/>
+        <p:txBody>
+          <a:bodyPr/>
+          <a:lstStyle/>
+          <a:p>
+            <a:r>
+              <a:rPr lang="en-US" sz="1800" b="1" dirty="0">
+                <a:solidFill>
+                  <a:srgbClr val="000000"/>
+                </a:solidFill>
+                <a:effectLst/>
+                <a:latin typeface="Times New Roman" panose="02020603050405020304" pitchFamily="18" charset="0"/>
+                <a:ea typeface="Calibri" panose="020F0502020204030204" pitchFamily="34" charset="0"/>
+                <a:cs typeface="Times New Roman" panose="02020603050405020304" pitchFamily="18" charset="0"/>
+              </a:rPr>
+              <a:t>Recommendations</a:t>
+            </a:r>
+            <a:endParaRPr lang="en-US" dirty="0"/>
+          </a:p>
+        </p:txBody>
+      </p:sp>
+      <p:sp>
+        <p:nvSpPr>
+          <p:cNvPr id="3" name="Content Placeholder 2">
+            <a:extLst>
+              <a:ext uri="{FF2B5EF4-FFF2-40B4-BE49-F238E27FC236}">
+                <a16:creationId xmlns:a16="http://schemas.microsoft.com/office/drawing/2014/main" id="{AD2BA795-77CF-84A5-7F73-81863B81A12E}"/>
+              </a:ext>
+            </a:extLst>
+          </p:cNvPr>
+          <p:cNvSpPr>
+            <a:spLocks noGrp="1"/>
+          </p:cNvSpPr>
+          <p:nvPr>
+            <p:ph idx="1"/>
+          </p:nvPr>
+        </p:nvSpPr>
+        <p:spPr/>
+        <p:txBody>
+          <a:bodyPr/>
+          <a:lstStyle/>
+          <a:p>
+            <a:pPr marL="0" marR="0" algn="just">
+              <a:spcBef>
+                <a:spcPts val="0"/>
+              </a:spcBef>
+              <a:spcAft>
+                <a:spcPts val="2000"/>
+              </a:spcAft>
+            </a:pPr>
+            <a:r>
+              <a:rPr lang="en-US" sz="1800" dirty="0">
+                <a:solidFill>
+                  <a:srgbClr val="000000"/>
+                </a:solidFill>
+                <a:effectLst/>
+                <a:latin typeface="Times New Roman" panose="02020603050405020304" pitchFamily="18" charset="0"/>
+                <a:ea typeface="Calibri" panose="020F0502020204030204" pitchFamily="34" charset="0"/>
+                <a:cs typeface="Times New Roman" panose="02020603050405020304" pitchFamily="18" charset="0"/>
+              </a:rPr>
+              <a:t>Focus Regions: Concentrate on the Mountain West and Southeast regions for expansion due to diverse markets and untapped potential.</a:t>
+            </a:r>
+            <a:endParaRPr lang="en-US" sz="1800" dirty="0">
+              <a:effectLst/>
+              <a:latin typeface="Calibri" panose="020F0502020204030204" pitchFamily="34" charset="0"/>
+              <a:ea typeface="Calibri" panose="020F0502020204030204" pitchFamily="34" charset="0"/>
+              <a:cs typeface="Times New Roman" panose="02020603050405020304" pitchFamily="18" charset="0"/>
+            </a:endParaRPr>
+          </a:p>
+          <a:p>
+            <a:pPr marL="0" marR="0" algn="just">
+              <a:spcBef>
+                <a:spcPts val="0"/>
+              </a:spcBef>
+              <a:spcAft>
+                <a:spcPts val="2000"/>
+              </a:spcAft>
+            </a:pPr>
+            <a:r>
+              <a:rPr lang="en-US" sz="1800" dirty="0">
+                <a:solidFill>
+                  <a:srgbClr val="000000"/>
+                </a:solidFill>
+                <a:effectLst/>
+                <a:latin typeface="Times New Roman" panose="02020603050405020304" pitchFamily="18" charset="0"/>
+                <a:ea typeface="Calibri" panose="020F0502020204030204" pitchFamily="34" charset="0"/>
+                <a:cs typeface="Times New Roman" panose="02020603050405020304" pitchFamily="18" charset="0"/>
+              </a:rPr>
+              <a:t>Urban Expansion: Target populous cities with fewer breweries like Omaha and Nashville for market penetration.</a:t>
+            </a:r>
+            <a:endParaRPr lang="en-US" sz="1800" dirty="0">
+              <a:effectLst/>
+              <a:latin typeface="Calibri" panose="020F0502020204030204" pitchFamily="34" charset="0"/>
+              <a:ea typeface="Calibri" panose="020F0502020204030204" pitchFamily="34" charset="0"/>
+              <a:cs typeface="Times New Roman" panose="02020603050405020304" pitchFamily="18" charset="0"/>
+            </a:endParaRPr>
+          </a:p>
+          <a:p>
+            <a:pPr marL="0" marR="0" algn="just">
+              <a:spcBef>
+                <a:spcPts val="0"/>
+              </a:spcBef>
+              <a:spcAft>
+                <a:spcPts val="2000"/>
+              </a:spcAft>
+            </a:pPr>
+            <a:r>
+              <a:rPr lang="en-US" sz="1800" dirty="0">
+                <a:solidFill>
+                  <a:srgbClr val="000000"/>
+                </a:solidFill>
+                <a:effectLst/>
+                <a:latin typeface="Times New Roman" panose="02020603050405020304" pitchFamily="18" charset="0"/>
+                <a:ea typeface="Calibri" panose="020F0502020204030204" pitchFamily="34" charset="0"/>
+                <a:cs typeface="Times New Roman" panose="02020603050405020304" pitchFamily="18" charset="0"/>
+              </a:rPr>
+              <a:t>Growing Cities Strategy: Explore markets in growing cities known for specific attributes like Frederick and Norman.</a:t>
+            </a:r>
+            <a:endParaRPr lang="en-US" sz="1800" dirty="0">
+              <a:effectLst/>
+              <a:latin typeface="Calibri" panose="020F0502020204030204" pitchFamily="34" charset="0"/>
+              <a:ea typeface="Calibri" panose="020F0502020204030204" pitchFamily="34" charset="0"/>
+              <a:cs typeface="Times New Roman" panose="02020603050405020304" pitchFamily="18" charset="0"/>
+            </a:endParaRPr>
+          </a:p>
+          <a:p>
+            <a:pPr marL="0" marR="0" algn="just">
+              <a:spcBef>
+                <a:spcPts val="0"/>
+              </a:spcBef>
+              <a:spcAft>
+                <a:spcPts val="2000"/>
+              </a:spcAft>
+            </a:pPr>
+            <a:r>
+              <a:rPr lang="en-US" sz="1800" dirty="0">
+                <a:solidFill>
+                  <a:srgbClr val="000000"/>
+                </a:solidFill>
+                <a:effectLst/>
+                <a:latin typeface="Times New Roman" panose="02020603050405020304" pitchFamily="18" charset="0"/>
+                <a:ea typeface="Calibri" panose="020F0502020204030204" pitchFamily="34" charset="0"/>
+                <a:cs typeface="Times New Roman" panose="02020603050405020304" pitchFamily="18" charset="0"/>
+              </a:rPr>
+              <a:t>Digital Engagement: Emphasize online presence and digital strategies for market reach and competitiveness.</a:t>
+            </a:r>
+            <a:endParaRPr lang="en-US" sz="1800" dirty="0">
+              <a:effectLst/>
+              <a:latin typeface="Calibri" panose="020F0502020204030204" pitchFamily="34" charset="0"/>
+              <a:ea typeface="Calibri" panose="020F0502020204030204" pitchFamily="34" charset="0"/>
+              <a:cs typeface="Times New Roman" panose="02020603050405020304" pitchFamily="18" charset="0"/>
+            </a:endParaRPr>
+          </a:p>
+          <a:p>
+            <a:pPr marL="0" indent="0">
+              <a:buNone/>
+            </a:pPr>
+            <a:endParaRPr lang="en-US" dirty="0"/>
+          </a:p>
+        </p:txBody>
+      </p:sp>
+    </p:spTree>
+    <p:extLst>
+      <p:ext uri="{BB962C8B-B14F-4D97-AF65-F5344CB8AC3E}">
+        <p14:creationId xmlns:p14="http://schemas.microsoft.com/office/powerpoint/2010/main" val="1032390420"/>
+      </p:ext>
+    </p:extLst>
+  </p:cSld>
+  <p:clrMapOvr>
+    <a:masterClrMapping/>
+  </p:clrMapOvr>
+</p:sld>
+</file>
+
+<file path=ppt/slides/slide9.xml><?xml version="1.0" encoding="utf-8"?>
+<p:sld xmlns:a="http://schemas.openxmlformats.org/drawingml/2006/main" xmlns:r="http://schemas.openxmlformats.org/officeDocument/2006/relationships" xmlns:p="http://schemas.openxmlformats.org/presentationml/2006/main">
+  <p:cSld>
+    <p:spTree>
+      <p:nvGrpSpPr>
+        <p:cNvPr id="1" name=""/>
+        <p:cNvGrpSpPr/>
+        <p:nvPr/>
+      </p:nvGrpSpPr>
+      <p:grpSpPr>
+        <a:xfrm>
+          <a:off x="0" y="0"/>
+          <a:ext cx="0" cy="0"/>
+          <a:chOff x="0" y="0"/>
+          <a:chExt cx="0" cy="0"/>
+        </a:xfrm>
+      </p:grpSpPr>
+      <p:sp>
+        <p:nvSpPr>
+          <p:cNvPr id="2" name="Title 1">
+            <a:extLst>
+              <a:ext uri="{FF2B5EF4-FFF2-40B4-BE49-F238E27FC236}">
+                <a16:creationId xmlns:a16="http://schemas.microsoft.com/office/drawing/2014/main" id="{E475E7A4-1BEC-95C8-6E76-D18475DC1B81}"/>
+              </a:ext>
+            </a:extLst>
+          </p:cNvPr>
+          <p:cNvSpPr>
+            <a:spLocks noGrp="1"/>
+          </p:cNvSpPr>
+          <p:nvPr>
+            <p:ph type="title"/>
+          </p:nvPr>
+        </p:nvSpPr>
+        <p:spPr/>
+        <p:txBody>
+          <a:bodyPr/>
+          <a:lstStyle/>
+          <a:p>
+            <a:r>
+              <a:rPr lang="en-US" sz="1800" b="1" dirty="0">
+                <a:solidFill>
+                  <a:srgbClr val="000000"/>
+                </a:solidFill>
+                <a:effectLst/>
+                <a:latin typeface="Times New Roman" panose="02020603050405020304" pitchFamily="18" charset="0"/>
+                <a:ea typeface="Calibri" panose="020F0502020204030204" pitchFamily="34" charset="0"/>
+              </a:rPr>
+              <a:t>Conclusion</a:t>
+            </a:r>
+            <a:r>
+              <a:rPr lang="en-US" dirty="0">
+                <a:effectLst/>
+              </a:rPr>
+              <a:t> </a:t>
+            </a:r>
+            <a:endParaRPr lang="en-US" dirty="0"/>
+          </a:p>
+        </p:txBody>
+      </p:sp>
+      <p:sp>
+        <p:nvSpPr>
+          <p:cNvPr id="3" name="Content Placeholder 2">
+            <a:extLst>
+              <a:ext uri="{FF2B5EF4-FFF2-40B4-BE49-F238E27FC236}">
+                <a16:creationId xmlns:a16="http://schemas.microsoft.com/office/drawing/2014/main" id="{F3BE6210-DE8E-AF51-A9CC-6F0C27B7FE92}"/>
+              </a:ext>
+            </a:extLst>
+          </p:cNvPr>
+          <p:cNvSpPr>
+            <a:spLocks noGrp="1"/>
+          </p:cNvSpPr>
+          <p:nvPr>
+            <p:ph idx="1"/>
+          </p:nvPr>
+        </p:nvSpPr>
+        <p:spPr/>
+        <p:txBody>
+          <a:bodyPr>
+            <a:normAutofit fontScale="47500" lnSpcReduction="20000"/>
+          </a:bodyPr>
+          <a:lstStyle/>
+          <a:p>
+            <a:pPr algn="l"/>
+            <a:r>
+              <a:rPr lang="en-US" b="0" i="0" dirty="0">
+                <a:solidFill>
+                  <a:srgbClr val="000000"/>
+                </a:solidFill>
+                <a:effectLst/>
+                <a:latin typeface="Helvetica Neue" panose="02000503000000020004" pitchFamily="2" charset="0"/>
+              </a:rPr>
+              <a:t>Based on the results from the analyses, here is a conclusion that summarizes the key findings:</a:t>
+            </a:r>
+          </a:p>
+          <a:p>
+            <a:pPr algn="l">
+              <a:buFont typeface="+mj-lt"/>
+              <a:buAutoNum type="arabicPeriod"/>
+            </a:pPr>
+            <a:r>
+              <a:rPr lang="en-US" b="0" i="0" dirty="0">
+                <a:solidFill>
+                  <a:srgbClr val="000000"/>
+                </a:solidFill>
+                <a:effectLst/>
+                <a:latin typeface="Helvetica Neue" panose="02000503000000020004" pitchFamily="2" charset="0"/>
+              </a:rPr>
+              <a:t>Regression Model (Predicting Number of Breweries):</a:t>
+            </a:r>
+          </a:p>
+          <a:p>
+            <a:pPr marL="742950" lvl="1" indent="-285750" algn="l">
+              <a:buFont typeface="+mj-lt"/>
+              <a:buAutoNum type="arabicPeriod"/>
+            </a:pPr>
+            <a:r>
+              <a:rPr lang="en-US" b="0" i="0" dirty="0">
+                <a:solidFill>
+                  <a:srgbClr val="000000"/>
+                </a:solidFill>
+                <a:effectLst/>
+                <a:latin typeface="Helvetica Neue" panose="02000503000000020004" pitchFamily="2" charset="0"/>
+              </a:rPr>
+              <a:t>The regression model, aimed at predicting the number of breweries based on city population, yielded a Mean Squared Error (MSE) of 5636.61 and an R-squared (R²) of 0.0213.</a:t>
+            </a:r>
+          </a:p>
+          <a:p>
+            <a:pPr marL="742950" lvl="1" indent="-285750" algn="l">
+              <a:buFont typeface="+mj-lt"/>
+              <a:buAutoNum type="arabicPeriod"/>
+            </a:pPr>
+            <a:r>
+              <a:rPr lang="en-US" b="0" i="0" dirty="0">
+                <a:solidFill>
+                  <a:srgbClr val="000000"/>
+                </a:solidFill>
+                <a:effectLst/>
+                <a:latin typeface="Helvetica Neue" panose="02000503000000020004" pitchFamily="2" charset="0"/>
+              </a:rPr>
+              <a:t>The high MSE indicates a significant average error in the model's predictions. The low R² value suggests that only a small portion (about 2.13%) of the variance in the number of breweries is explained by the population size.</a:t>
+            </a:r>
+          </a:p>
+          <a:p>
+            <a:pPr marL="742950" lvl="1" indent="-285750" algn="l">
+              <a:buFont typeface="+mj-lt"/>
+              <a:buAutoNum type="arabicPeriod"/>
+            </a:pPr>
+            <a:r>
+              <a:rPr lang="en-US" b="0" i="0" dirty="0">
+                <a:solidFill>
+                  <a:srgbClr val="000000"/>
+                </a:solidFill>
+                <a:effectLst/>
+                <a:latin typeface="Helvetica Neue" panose="02000503000000020004" pitchFamily="2" charset="0"/>
+              </a:rPr>
+              <a:t>This implies that while there is some relationship between population size and the number of breweries, other factors not captured in the model likely play a significant role.</a:t>
+            </a:r>
+          </a:p>
+          <a:p>
+            <a:pPr algn="l">
+              <a:buFont typeface="+mj-lt"/>
+              <a:buAutoNum type="arabicPeriod"/>
+            </a:pPr>
+            <a:r>
+              <a:rPr lang="en-US" b="0" i="0" dirty="0">
+                <a:solidFill>
+                  <a:srgbClr val="000000"/>
+                </a:solidFill>
+                <a:effectLst/>
+                <a:latin typeface="Helvetica Neue" panose="02000503000000020004" pitchFamily="2" charset="0"/>
+              </a:rPr>
+              <a:t>Classification Model (Predicting Brewery Type):</a:t>
+            </a:r>
+          </a:p>
+          <a:p>
+            <a:pPr marL="742950" lvl="1" indent="-285750" algn="l">
+              <a:buFont typeface="+mj-lt"/>
+              <a:buAutoNum type="arabicPeriod"/>
+            </a:pPr>
+            <a:r>
+              <a:rPr lang="en-US" b="0" i="0" dirty="0">
+                <a:solidFill>
+                  <a:srgbClr val="000000"/>
+                </a:solidFill>
+                <a:effectLst/>
+                <a:latin typeface="Helvetica Neue" panose="02000503000000020004" pitchFamily="2" charset="0"/>
+              </a:rPr>
+              <a:t>The classification model, used to predict the type of brewery based on city population, achieved an accuracy of approximately 54.04%.</a:t>
+            </a:r>
+          </a:p>
+          <a:p>
+            <a:pPr marL="742950" lvl="1" indent="-285750" algn="l">
+              <a:buFont typeface="+mj-lt"/>
+              <a:buAutoNum type="arabicPeriod"/>
+            </a:pPr>
+            <a:r>
+              <a:rPr lang="en-US" b="0" i="0" dirty="0">
+                <a:solidFill>
+                  <a:srgbClr val="000000"/>
+                </a:solidFill>
+                <a:effectLst/>
+                <a:latin typeface="Helvetica Neue" panose="02000503000000020004" pitchFamily="2" charset="0"/>
+              </a:rPr>
+              <a:t>The classification report reveals varying performance across different brewery types. The model is particularly effective in identifying 'Brewpubs' (precision: 0.54, recall: 0.98) but struggles with other types like 'Microbrewery' and 'Brewpub-Closed,' where both precision and recall are low.</a:t>
+            </a:r>
+          </a:p>
+          <a:p>
+            <a:pPr marL="742950" lvl="1" indent="-285750" algn="l">
+              <a:buFont typeface="+mj-lt"/>
+              <a:buAutoNum type="arabicPeriod"/>
+            </a:pPr>
+            <a:r>
+              <a:rPr lang="en-US" b="0" i="0" dirty="0">
+                <a:solidFill>
+                  <a:srgbClr val="000000"/>
+                </a:solidFill>
+                <a:effectLst/>
+                <a:latin typeface="Helvetica Neue" panose="02000503000000020004" pitchFamily="2" charset="0"/>
+              </a:rPr>
+              <a:t>This indicates that while the model can predict certain brewery types reasonably well, it is less effective for others, likely due to imbalanced data or the need for additional predictive features.</a:t>
+            </a:r>
+          </a:p>
+          <a:p>
+            <a:pPr algn="l">
+              <a:buFont typeface="+mj-lt"/>
+              <a:buAutoNum type="arabicPeriod"/>
+            </a:pPr>
+            <a:r>
+              <a:rPr lang="en-US" b="0" i="0" dirty="0">
+                <a:solidFill>
+                  <a:srgbClr val="000000"/>
+                </a:solidFill>
+                <a:effectLst/>
+                <a:latin typeface="Helvetica Neue" panose="02000503000000020004" pitchFamily="2" charset="0"/>
+              </a:rPr>
+              <a:t>Feature Importance in Classification Model:</a:t>
+            </a:r>
+          </a:p>
+          <a:p>
+            <a:pPr marL="742950" lvl="1" indent="-285750" algn="l">
+              <a:buFont typeface="+mj-lt"/>
+              <a:buAutoNum type="arabicPeriod"/>
+            </a:pPr>
+            <a:r>
+              <a:rPr lang="en-US" b="0" i="0" dirty="0">
+                <a:solidFill>
+                  <a:srgbClr val="000000"/>
+                </a:solidFill>
+                <a:effectLst/>
+                <a:latin typeface="Helvetica Neue" panose="02000503000000020004" pitchFamily="2" charset="0"/>
+              </a:rPr>
+              <a:t>The feature importance score of [1.] from the Random Forest Classifier indicates that the population is the sole feature used and is given full importance.</a:t>
+            </a:r>
+          </a:p>
+          <a:p>
+            <a:pPr marL="742950" lvl="1" indent="-285750" algn="l">
+              <a:buFont typeface="+mj-lt"/>
+              <a:buAutoNum type="arabicPeriod"/>
+            </a:pPr>
+            <a:r>
+              <a:rPr lang="en-US" b="0" i="0" dirty="0">
+                <a:solidFill>
+                  <a:srgbClr val="000000"/>
+                </a:solidFill>
+                <a:effectLst/>
+                <a:latin typeface="Helvetica Neue" panose="02000503000000020004" pitchFamily="2" charset="0"/>
+              </a:rPr>
+              <a:t>This suggests that population size is a key factor in the model's predictions. However, the reliance on a single feature highlights the need for a more diverse set of variables to improve the model's accuracy and comprehensiveness.</a:t>
+            </a:r>
+          </a:p>
+          <a:p>
+            <a:pPr algn="l"/>
+            <a:r>
+              <a:rPr lang="en-US" b="0" i="0" dirty="0">
+                <a:solidFill>
+                  <a:srgbClr val="000000"/>
+                </a:solidFill>
+                <a:effectLst/>
+                <a:latin typeface="Helvetica Neue" panose="02000503000000020004" pitchFamily="2" charset="0"/>
+              </a:rPr>
+              <a:t>Overall Insights: The analyses suggest that city population size does have an influence on both the number of breweries and their types. However, the limited predictive power and performance variations across models indicate that additional factors, possibly including economic and other demographic variables, would be necessary to enhance the models' accuracy and provide a more holistic understanding of the brewery landscape in different cities.</a:t>
+            </a:r>
           </a:p>
           <a:p>
             <a:endParaRPr lang="en-US" dirty="0"/>
